--- a/Freshman_Training_RFID.pptx
+++ b/Freshman_Training_RFID.pptx
@@ -5,7 +5,7 @@
     <p:sldMasterId id="2147483660" r:id="rId1"/>
   </p:sldMasterIdLst>
   <p:notesMasterIdLst>
-    <p:notesMasterId r:id="rId45"/>
+    <p:notesMasterId r:id="rId46"/>
   </p:notesMasterIdLst>
   <p:sldIdLst>
     <p:sldId id="256" r:id="rId2"/>
@@ -51,6 +51,7 @@
     <p:sldId id="370" r:id="rId42"/>
     <p:sldId id="371" r:id="rId43"/>
     <p:sldId id="301" r:id="rId44"/>
+    <p:sldId id="382" r:id="rId45"/>
   </p:sldIdLst>
   <p:sldSz cx="12192000" cy="6858000"/>
   <p:notesSz cx="6858000" cy="9144000"/>
@@ -205,6 +206,7 @@
             <p14:sldId id="370"/>
             <p14:sldId id="371"/>
             <p14:sldId id="301"/>
+            <p14:sldId id="382"/>
           </p14:sldIdLst>
         </p14:section>
       </p14:sectionLst>
@@ -298,7 +300,7 @@
           <a:p>
             <a:fld id="{D417A10C-87C9-49E5-AE05-110105D8C539}" type="datetimeFigureOut">
               <a:rPr lang="zh-TW" altLang="en-US" smtClean="0"/>
-              <a:t>2018/8/6</a:t>
+              <a:t>2018/8/7</a:t>
             </a:fld>
             <a:endParaRPr lang="zh-TW" altLang="en-US"/>
           </a:p>
@@ -4784,6 +4786,90 @@
 </p:notes>
 </file>
 
+<file path=ppt/notesSlides/notesSlide43.xml><?xml version="1.0" encoding="utf-8"?>
+<p:notes xmlns:a="http://schemas.openxmlformats.org/drawingml/2006/main" xmlns:r="http://schemas.openxmlformats.org/officeDocument/2006/relationships" xmlns:p="http://schemas.openxmlformats.org/presentationml/2006/main">
+  <p:cSld>
+    <p:spTree>
+      <p:nvGrpSpPr>
+        <p:cNvPr id="1" name=""/>
+        <p:cNvGrpSpPr/>
+        <p:nvPr/>
+      </p:nvGrpSpPr>
+      <p:grpSpPr>
+        <a:xfrm>
+          <a:off x="0" y="0"/>
+          <a:ext cx="0" cy="0"/>
+          <a:chOff x="0" y="0"/>
+          <a:chExt cx="0" cy="0"/>
+        </a:xfrm>
+      </p:grpSpPr>
+      <p:sp>
+        <p:nvSpPr>
+          <p:cNvPr id="2" name="投影片影像版面配置區 1"/>
+          <p:cNvSpPr>
+            <a:spLocks noGrp="1" noRot="1" noChangeAspect="1"/>
+          </p:cNvSpPr>
+          <p:nvPr>
+            <p:ph type="sldImg"/>
+          </p:nvPr>
+        </p:nvSpPr>
+        <p:spPr/>
+      </p:sp>
+      <p:sp>
+        <p:nvSpPr>
+          <p:cNvPr id="3" name="備忘稿版面配置區 2"/>
+          <p:cNvSpPr>
+            <a:spLocks noGrp="1"/>
+          </p:cNvSpPr>
+          <p:nvPr>
+            <p:ph type="body" idx="1"/>
+          </p:nvPr>
+        </p:nvSpPr>
+        <p:spPr/>
+        <p:txBody>
+          <a:bodyPr/>
+          <a:lstStyle/>
+          <a:p>
+            <a:endParaRPr kumimoji="1" lang="zh-TW" altLang="en-US" dirty="0"/>
+          </a:p>
+        </p:txBody>
+      </p:sp>
+      <p:sp>
+        <p:nvSpPr>
+          <p:cNvPr id="4" name="投影片編號版面配置區 3"/>
+          <p:cNvSpPr>
+            <a:spLocks noGrp="1"/>
+          </p:cNvSpPr>
+          <p:nvPr>
+            <p:ph type="sldNum" sz="quarter" idx="10"/>
+          </p:nvPr>
+        </p:nvSpPr>
+        <p:spPr/>
+        <p:txBody>
+          <a:bodyPr/>
+          <a:lstStyle/>
+          <a:p>
+            <a:fld id="{C79F9334-C2B5-40DC-A82F-94CC416C9799}" type="slidenum">
+              <a:rPr lang="zh-TW" altLang="en-US" smtClean="0"/>
+              <a:t>44</a:t>
+            </a:fld>
+            <a:endParaRPr lang="zh-TW" altLang="en-US"/>
+          </a:p>
+        </p:txBody>
+      </p:sp>
+    </p:spTree>
+    <p:extLst>
+      <p:ext uri="{BB962C8B-B14F-4D97-AF65-F5344CB8AC3E}">
+        <p14:creationId xmlns:p14="http://schemas.microsoft.com/office/powerpoint/2010/main" val="1491151725"/>
+      </p:ext>
+    </p:extLst>
+  </p:cSld>
+  <p:clrMapOvr>
+    <a:masterClrMapping/>
+  </p:clrMapOvr>
+</p:notes>
+</file>
+
 <file path=ppt/notesSlides/notesSlide5.xml><?xml version="1.0" encoding="utf-8"?>
 <p:notes xmlns:a="http://schemas.openxmlformats.org/drawingml/2006/main" xmlns:r="http://schemas.openxmlformats.org/officeDocument/2006/relationships" xmlns:p="http://schemas.openxmlformats.org/presentationml/2006/main">
   <p:cSld>
@@ -5399,7 +5485,7 @@
           <p:cNvPr id="20" name="Group 19">
             <a:extLst>
               <a:ext uri="{FF2B5EF4-FFF2-40B4-BE49-F238E27FC236}">
-                <a16:creationId xmlns="" xmlns:a16="http://schemas.microsoft.com/office/drawing/2014/main" id="{C3ED851A-5624-9445-94A3-FC256390EFF0}"/>
+                <a16:creationId xmlns:a16="http://schemas.microsoft.com/office/drawing/2014/main" xmlns="" id="{C3ED851A-5624-9445-94A3-FC256390EFF0}"/>
               </a:ext>
             </a:extLst>
           </p:cNvPr>
@@ -5419,7 +5505,7 @@
             <p:cNvPr id="21" name="箭號: 五邊形 12">
               <a:extLst>
                 <a:ext uri="{FF2B5EF4-FFF2-40B4-BE49-F238E27FC236}">
-                  <a16:creationId xmlns="" xmlns:a16="http://schemas.microsoft.com/office/drawing/2014/main" id="{7DED8486-E1FD-814E-B2DE-F488A3CEA671}"/>
+                  <a16:creationId xmlns:a16="http://schemas.microsoft.com/office/drawing/2014/main" xmlns="" id="{7DED8486-E1FD-814E-B2DE-F488A3CEA671}"/>
                 </a:ext>
               </a:extLst>
             </p:cNvPr>
@@ -5471,7 +5557,7 @@
             <p:cNvPr id="23" name="箭號: 五邊形 12">
               <a:extLst>
                 <a:ext uri="{FF2B5EF4-FFF2-40B4-BE49-F238E27FC236}">
-                  <a16:creationId xmlns="" xmlns:a16="http://schemas.microsoft.com/office/drawing/2014/main" id="{8C392F49-5181-FA4B-9412-A387B34C316C}"/>
+                  <a16:creationId xmlns:a16="http://schemas.microsoft.com/office/drawing/2014/main" xmlns="" id="{8C392F49-5181-FA4B-9412-A387B34C316C}"/>
                 </a:ext>
               </a:extLst>
             </p:cNvPr>
@@ -5530,7 +5616,7 @@
             <p:cNvPr id="26" name="箭號: 五邊形 12">
               <a:extLst>
                 <a:ext uri="{FF2B5EF4-FFF2-40B4-BE49-F238E27FC236}">
-                  <a16:creationId xmlns="" xmlns:a16="http://schemas.microsoft.com/office/drawing/2014/main" id="{A2A2AEE9-8884-2D45-AA3A-3CE8B669A441}"/>
+                  <a16:creationId xmlns:a16="http://schemas.microsoft.com/office/drawing/2014/main" xmlns="" id="{A2A2AEE9-8884-2D45-AA3A-3CE8B669A441}"/>
                 </a:ext>
               </a:extLst>
             </p:cNvPr>
@@ -5959,7 +6045,7 @@
           <p:cNvPr id="34" name="Text Placeholder 3">
             <a:extLst>
               <a:ext uri="{FF2B5EF4-FFF2-40B4-BE49-F238E27FC236}">
-                <a16:creationId xmlns="" xmlns:a16="http://schemas.microsoft.com/office/drawing/2014/main" id="{CB4F27FF-A5B2-0945-A886-8994C9CF0F9A}"/>
+                <a16:creationId xmlns:a16="http://schemas.microsoft.com/office/drawing/2014/main" xmlns="" id="{CB4F27FF-A5B2-0945-A886-8994C9CF0F9A}"/>
               </a:ext>
             </a:extLst>
           </p:cNvPr>
@@ -6013,7 +6099,7 @@
           <p:cNvPr id="35" name="Content Placeholder 5">
             <a:extLst>
               <a:ext uri="{FF2B5EF4-FFF2-40B4-BE49-F238E27FC236}">
-                <a16:creationId xmlns="" xmlns:a16="http://schemas.microsoft.com/office/drawing/2014/main" id="{1CE5651F-F4F6-9D45-A553-66B6FFCA522B}"/>
+                <a16:creationId xmlns:a16="http://schemas.microsoft.com/office/drawing/2014/main" xmlns="" id="{1CE5651F-F4F6-9D45-A553-66B6FFCA522B}"/>
               </a:ext>
             </a:extLst>
           </p:cNvPr>
@@ -6061,7 +6147,7 @@
           <p:cNvPr id="6" name="Picture 5">
             <a:extLst>
               <a:ext uri="{FF2B5EF4-FFF2-40B4-BE49-F238E27FC236}">
-                <a16:creationId xmlns="" xmlns:a16="http://schemas.microsoft.com/office/drawing/2014/main" id="{5BB22815-3E3B-0B48-9DCA-B05C2D5B9D70}"/>
+                <a16:creationId xmlns:a16="http://schemas.microsoft.com/office/drawing/2014/main" xmlns="" id="{5BB22815-3E3B-0B48-9DCA-B05C2D5B9D70}"/>
               </a:ext>
             </a:extLst>
           </p:cNvPr>
@@ -7163,7 +7249,7 @@
           <p:cNvPr id="15" name="直排文字版面配置區 2">
             <a:extLst>
               <a:ext uri="{FF2B5EF4-FFF2-40B4-BE49-F238E27FC236}">
-                <a16:creationId xmlns="" xmlns:a16="http://schemas.microsoft.com/office/drawing/2014/main" id="{5B0754CD-A593-D647-8F43-33A88CDADB61}"/>
+                <a16:creationId xmlns:a16="http://schemas.microsoft.com/office/drawing/2014/main" xmlns="" id="{5B0754CD-A593-D647-8F43-33A88CDADB61}"/>
               </a:ext>
             </a:extLst>
           </p:cNvPr>
@@ -7373,7 +7459,7 @@
           <p:cNvPr id="20" name="Group 19">
             <a:extLst>
               <a:ext uri="{FF2B5EF4-FFF2-40B4-BE49-F238E27FC236}">
-                <a16:creationId xmlns="" xmlns:a16="http://schemas.microsoft.com/office/drawing/2014/main" id="{C3ED851A-5624-9445-94A3-FC256390EFF0}"/>
+                <a16:creationId xmlns:a16="http://schemas.microsoft.com/office/drawing/2014/main" xmlns="" id="{C3ED851A-5624-9445-94A3-FC256390EFF0}"/>
               </a:ext>
             </a:extLst>
           </p:cNvPr>
@@ -7393,7 +7479,7 @@
             <p:cNvPr id="21" name="箭號: 五邊形 12">
               <a:extLst>
                 <a:ext uri="{FF2B5EF4-FFF2-40B4-BE49-F238E27FC236}">
-                  <a16:creationId xmlns="" xmlns:a16="http://schemas.microsoft.com/office/drawing/2014/main" id="{7DED8486-E1FD-814E-B2DE-F488A3CEA671}"/>
+                  <a16:creationId xmlns:a16="http://schemas.microsoft.com/office/drawing/2014/main" xmlns="" id="{7DED8486-E1FD-814E-B2DE-F488A3CEA671}"/>
                 </a:ext>
               </a:extLst>
             </p:cNvPr>
@@ -7445,7 +7531,7 @@
             <p:cNvPr id="23" name="箭號: 五邊形 12">
               <a:extLst>
                 <a:ext uri="{FF2B5EF4-FFF2-40B4-BE49-F238E27FC236}">
-                  <a16:creationId xmlns="" xmlns:a16="http://schemas.microsoft.com/office/drawing/2014/main" id="{8C392F49-5181-FA4B-9412-A387B34C316C}"/>
+                  <a16:creationId xmlns:a16="http://schemas.microsoft.com/office/drawing/2014/main" xmlns="" id="{8C392F49-5181-FA4B-9412-A387B34C316C}"/>
                 </a:ext>
               </a:extLst>
             </p:cNvPr>
@@ -7504,7 +7590,7 @@
             <p:cNvPr id="26" name="箭號: 五邊形 12">
               <a:extLst>
                 <a:ext uri="{FF2B5EF4-FFF2-40B4-BE49-F238E27FC236}">
-                  <a16:creationId xmlns="" xmlns:a16="http://schemas.microsoft.com/office/drawing/2014/main" id="{A2A2AEE9-8884-2D45-AA3A-3CE8B669A441}"/>
+                  <a16:creationId xmlns:a16="http://schemas.microsoft.com/office/drawing/2014/main" xmlns="" id="{A2A2AEE9-8884-2D45-AA3A-3CE8B669A441}"/>
                 </a:ext>
               </a:extLst>
             </p:cNvPr>
@@ -7933,7 +8019,7 @@
           <p:cNvPr id="34" name="Text Placeholder 3">
             <a:extLst>
               <a:ext uri="{FF2B5EF4-FFF2-40B4-BE49-F238E27FC236}">
-                <a16:creationId xmlns="" xmlns:a16="http://schemas.microsoft.com/office/drawing/2014/main" id="{CB4F27FF-A5B2-0945-A886-8994C9CF0F9A}"/>
+                <a16:creationId xmlns:a16="http://schemas.microsoft.com/office/drawing/2014/main" xmlns="" id="{CB4F27FF-A5B2-0945-A886-8994C9CF0F9A}"/>
               </a:ext>
             </a:extLst>
           </p:cNvPr>
@@ -7987,7 +8073,7 @@
           <p:cNvPr id="35" name="Content Placeholder 5">
             <a:extLst>
               <a:ext uri="{FF2B5EF4-FFF2-40B4-BE49-F238E27FC236}">
-                <a16:creationId xmlns="" xmlns:a16="http://schemas.microsoft.com/office/drawing/2014/main" id="{1CE5651F-F4F6-9D45-A553-66B6FFCA522B}"/>
+                <a16:creationId xmlns:a16="http://schemas.microsoft.com/office/drawing/2014/main" xmlns="" id="{1CE5651F-F4F6-9D45-A553-66B6FFCA522B}"/>
               </a:ext>
             </a:extLst>
           </p:cNvPr>
@@ -8035,7 +8121,7 @@
           <p:cNvPr id="6" name="Picture 5">
             <a:extLst>
               <a:ext uri="{FF2B5EF4-FFF2-40B4-BE49-F238E27FC236}">
-                <a16:creationId xmlns="" xmlns:a16="http://schemas.microsoft.com/office/drawing/2014/main" id="{5BB22815-3E3B-0B48-9DCA-B05C2D5B9D70}"/>
+                <a16:creationId xmlns:a16="http://schemas.microsoft.com/office/drawing/2014/main" xmlns="" id="{5BB22815-3E3B-0B48-9DCA-B05C2D5B9D70}"/>
               </a:ext>
             </a:extLst>
           </p:cNvPr>
@@ -8747,7 +8833,7 @@
           <p:cNvPr id="12" name="Group 11">
             <a:extLst>
               <a:ext uri="{FF2B5EF4-FFF2-40B4-BE49-F238E27FC236}">
-                <a16:creationId xmlns="" xmlns:a16="http://schemas.microsoft.com/office/drawing/2014/main" id="{FECCA331-FFA6-F840-9C60-BF25ACF3BDB5}"/>
+                <a16:creationId xmlns:a16="http://schemas.microsoft.com/office/drawing/2014/main" xmlns="" id="{FECCA331-FFA6-F840-9C60-BF25ACF3BDB5}"/>
               </a:ext>
             </a:extLst>
           </p:cNvPr>
@@ -8767,7 +8853,7 @@
             <p:cNvPr id="13" name="箭號: 五邊形 12">
               <a:extLst>
                 <a:ext uri="{FF2B5EF4-FFF2-40B4-BE49-F238E27FC236}">
-                  <a16:creationId xmlns="" xmlns:a16="http://schemas.microsoft.com/office/drawing/2014/main" id="{1ECC6466-4EFD-5345-BC17-67AB57731DB7}"/>
+                  <a16:creationId xmlns:a16="http://schemas.microsoft.com/office/drawing/2014/main" xmlns="" id="{1ECC6466-4EFD-5345-BC17-67AB57731DB7}"/>
                 </a:ext>
               </a:extLst>
             </p:cNvPr>
@@ -8819,7 +8905,7 @@
             <p:cNvPr id="14" name="箭號: 五邊形 12">
               <a:extLst>
                 <a:ext uri="{FF2B5EF4-FFF2-40B4-BE49-F238E27FC236}">
-                  <a16:creationId xmlns="" xmlns:a16="http://schemas.microsoft.com/office/drawing/2014/main" id="{6CF55724-0A99-E64A-AB4C-0938CB62E153}"/>
+                  <a16:creationId xmlns:a16="http://schemas.microsoft.com/office/drawing/2014/main" xmlns="" id="{6CF55724-0A99-E64A-AB4C-0938CB62E153}"/>
                 </a:ext>
               </a:extLst>
             </p:cNvPr>
@@ -8878,7 +8964,7 @@
             <p:cNvPr id="15" name="箭號: 五邊形 12">
               <a:extLst>
                 <a:ext uri="{FF2B5EF4-FFF2-40B4-BE49-F238E27FC236}">
-                  <a16:creationId xmlns="" xmlns:a16="http://schemas.microsoft.com/office/drawing/2014/main" id="{D65D1FB8-4CF4-8B4A-A307-6F7F618C0D88}"/>
+                  <a16:creationId xmlns:a16="http://schemas.microsoft.com/office/drawing/2014/main" xmlns="" id="{D65D1FB8-4CF4-8B4A-A307-6F7F618C0D88}"/>
                 </a:ext>
               </a:extLst>
             </p:cNvPr>
@@ -9187,7 +9273,7 @@
           <p:cNvPr id="5" name="Picture 4">
             <a:extLst>
               <a:ext uri="{FF2B5EF4-FFF2-40B4-BE49-F238E27FC236}">
-                <a16:creationId xmlns="" xmlns:a16="http://schemas.microsoft.com/office/drawing/2014/main" id="{33C27645-19DC-4542-810A-E94761D6E227}"/>
+                <a16:creationId xmlns:a16="http://schemas.microsoft.com/office/drawing/2014/main" xmlns="" id="{33C27645-19DC-4542-810A-E94761D6E227}"/>
               </a:ext>
             </a:extLst>
           </p:cNvPr>
@@ -9686,7 +9772,7 @@
           <p:cNvPr id="23" name="內容版面配置區 2">
             <a:extLst>
               <a:ext uri="{FF2B5EF4-FFF2-40B4-BE49-F238E27FC236}">
-                <a16:creationId xmlns="" xmlns:a16="http://schemas.microsoft.com/office/drawing/2014/main" id="{9D1178A4-A62F-AE47-B4FD-DFBDEBC0B7E1}"/>
+                <a16:creationId xmlns:a16="http://schemas.microsoft.com/office/drawing/2014/main" xmlns="" id="{9D1178A4-A62F-AE47-B4FD-DFBDEBC0B7E1}"/>
               </a:ext>
             </a:extLst>
           </p:cNvPr>
@@ -9833,7 +9919,7 @@
           <p:cNvPr id="24" name="內容版面配置區 2">
             <a:extLst>
               <a:ext uri="{FF2B5EF4-FFF2-40B4-BE49-F238E27FC236}">
-                <a16:creationId xmlns="" xmlns:a16="http://schemas.microsoft.com/office/drawing/2014/main" id="{18BDE748-AF06-9848-B53D-40087470A386}"/>
+                <a16:creationId xmlns:a16="http://schemas.microsoft.com/office/drawing/2014/main" xmlns="" id="{18BDE748-AF06-9848-B53D-40087470A386}"/>
               </a:ext>
             </a:extLst>
           </p:cNvPr>
@@ -10584,7 +10670,7 @@
           <p:cNvPr id="20" name="內容版面配置區 2">
             <a:extLst>
               <a:ext uri="{FF2B5EF4-FFF2-40B4-BE49-F238E27FC236}">
-                <a16:creationId xmlns="" xmlns:a16="http://schemas.microsoft.com/office/drawing/2014/main" id="{9A4A12A5-18A4-CA4A-8E68-97EAFD19927B}"/>
+                <a16:creationId xmlns:a16="http://schemas.microsoft.com/office/drawing/2014/main" xmlns="" id="{9A4A12A5-18A4-CA4A-8E68-97EAFD19927B}"/>
               </a:ext>
             </a:extLst>
           </p:cNvPr>
@@ -10731,7 +10817,7 @@
           <p:cNvPr id="21" name="內容版面配置區 2">
             <a:extLst>
               <a:ext uri="{FF2B5EF4-FFF2-40B4-BE49-F238E27FC236}">
-                <a16:creationId xmlns="" xmlns:a16="http://schemas.microsoft.com/office/drawing/2014/main" id="{E09B3CAD-22B9-BC48-9D7D-2345FF14DD38}"/>
+                <a16:creationId xmlns:a16="http://schemas.microsoft.com/office/drawing/2014/main" xmlns="" id="{E09B3CAD-22B9-BC48-9D7D-2345FF14DD38}"/>
               </a:ext>
             </a:extLst>
           </p:cNvPr>
@@ -11648,7 +11734,7 @@
           <p:cNvPr id="5" name="Group 4">
             <a:extLst>
               <a:ext uri="{FF2B5EF4-FFF2-40B4-BE49-F238E27FC236}">
-                <a16:creationId xmlns="" xmlns:a16="http://schemas.microsoft.com/office/drawing/2014/main" id="{4DADA6C2-E637-F642-95E5-0309E3EB9F41}"/>
+                <a16:creationId xmlns:a16="http://schemas.microsoft.com/office/drawing/2014/main" xmlns="" id="{4DADA6C2-E637-F642-95E5-0309E3EB9F41}"/>
               </a:ext>
             </a:extLst>
           </p:cNvPr>
@@ -11668,7 +11754,7 @@
             <p:cNvPr id="17" name="箭號: 五邊形 12">
               <a:extLst>
                 <a:ext uri="{FF2B5EF4-FFF2-40B4-BE49-F238E27FC236}">
-                  <a16:creationId xmlns="" xmlns:a16="http://schemas.microsoft.com/office/drawing/2014/main" id="{C3424005-2947-5749-B94D-7EE01D59B97D}"/>
+                  <a16:creationId xmlns:a16="http://schemas.microsoft.com/office/drawing/2014/main" xmlns="" id="{C3424005-2947-5749-B94D-7EE01D59B97D}"/>
                 </a:ext>
               </a:extLst>
             </p:cNvPr>
@@ -11720,7 +11806,7 @@
             <p:cNvPr id="16" name="箭號: 五邊形 12">
               <a:extLst>
                 <a:ext uri="{FF2B5EF4-FFF2-40B4-BE49-F238E27FC236}">
-                  <a16:creationId xmlns="" xmlns:a16="http://schemas.microsoft.com/office/drawing/2014/main" id="{78B68587-E393-9C46-A4CA-137BCC2B13AD}"/>
+                  <a16:creationId xmlns:a16="http://schemas.microsoft.com/office/drawing/2014/main" xmlns="" id="{78B68587-E393-9C46-A4CA-137BCC2B13AD}"/>
                 </a:ext>
               </a:extLst>
             </p:cNvPr>
@@ -12188,7 +12274,7 @@
           <p:cNvPr id="18" name="內容版面配置區 2">
             <a:extLst>
               <a:ext uri="{FF2B5EF4-FFF2-40B4-BE49-F238E27FC236}">
-                <a16:creationId xmlns="" xmlns:a16="http://schemas.microsoft.com/office/drawing/2014/main" id="{BB9680E6-3D9F-FF42-BA19-F206A773FE60}"/>
+                <a16:creationId xmlns:a16="http://schemas.microsoft.com/office/drawing/2014/main" xmlns="" id="{BB9680E6-3D9F-FF42-BA19-F206A773FE60}"/>
               </a:ext>
             </a:extLst>
           </p:cNvPr>
@@ -12373,7 +12459,7 @@
           <p:cNvPr id="15" name="Group 14">
             <a:extLst>
               <a:ext uri="{FF2B5EF4-FFF2-40B4-BE49-F238E27FC236}">
-                <a16:creationId xmlns="" xmlns:a16="http://schemas.microsoft.com/office/drawing/2014/main" id="{7108562A-19D8-3347-A5CB-8FD2094D2AC6}"/>
+                <a16:creationId xmlns:a16="http://schemas.microsoft.com/office/drawing/2014/main" xmlns="" id="{7108562A-19D8-3347-A5CB-8FD2094D2AC6}"/>
               </a:ext>
             </a:extLst>
           </p:cNvPr>
@@ -12393,7 +12479,7 @@
             <p:cNvPr id="16" name="箭號: 五邊形 12">
               <a:extLst>
                 <a:ext uri="{FF2B5EF4-FFF2-40B4-BE49-F238E27FC236}">
-                  <a16:creationId xmlns="" xmlns:a16="http://schemas.microsoft.com/office/drawing/2014/main" id="{0350FA7D-8512-F24E-9F36-7F4296D197F2}"/>
+                  <a16:creationId xmlns:a16="http://schemas.microsoft.com/office/drawing/2014/main" xmlns="" id="{0350FA7D-8512-F24E-9F36-7F4296D197F2}"/>
                 </a:ext>
               </a:extLst>
             </p:cNvPr>
@@ -12445,7 +12531,7 @@
             <p:cNvPr id="17" name="箭號: 五邊形 12">
               <a:extLst>
                 <a:ext uri="{FF2B5EF4-FFF2-40B4-BE49-F238E27FC236}">
-                  <a16:creationId xmlns="" xmlns:a16="http://schemas.microsoft.com/office/drawing/2014/main" id="{125DE2BA-1E8B-2447-AEBE-4BDB2873316E}"/>
+                  <a16:creationId xmlns:a16="http://schemas.microsoft.com/office/drawing/2014/main" xmlns="" id="{125DE2BA-1E8B-2447-AEBE-4BDB2873316E}"/>
                 </a:ext>
               </a:extLst>
             </p:cNvPr>
@@ -12504,7 +12590,7 @@
             <p:cNvPr id="18" name="箭號: 五邊形 12">
               <a:extLst>
                 <a:ext uri="{FF2B5EF4-FFF2-40B4-BE49-F238E27FC236}">
-                  <a16:creationId xmlns="" xmlns:a16="http://schemas.microsoft.com/office/drawing/2014/main" id="{467877CF-B77C-BE4F-8D6F-89063BBFC3DE}"/>
+                  <a16:creationId xmlns:a16="http://schemas.microsoft.com/office/drawing/2014/main" xmlns="" id="{467877CF-B77C-BE4F-8D6F-89063BBFC3DE}"/>
                 </a:ext>
               </a:extLst>
             </p:cNvPr>
@@ -12867,7 +12953,7 @@
           <p:cNvPr id="22" name="標題 1">
             <a:extLst>
               <a:ext uri="{FF2B5EF4-FFF2-40B4-BE49-F238E27FC236}">
-                <a16:creationId xmlns="" xmlns:a16="http://schemas.microsoft.com/office/drawing/2014/main" id="{6E193196-9107-784C-A964-C67153D060CB}"/>
+                <a16:creationId xmlns:a16="http://schemas.microsoft.com/office/drawing/2014/main" xmlns="" id="{6E193196-9107-784C-A964-C67153D060CB}"/>
               </a:ext>
             </a:extLst>
           </p:cNvPr>
@@ -12910,7 +12996,7 @@
           <p:cNvPr id="24" name="文字版面配置區 3">
             <a:extLst>
               <a:ext uri="{FF2B5EF4-FFF2-40B4-BE49-F238E27FC236}">
-                <a16:creationId xmlns="" xmlns:a16="http://schemas.microsoft.com/office/drawing/2014/main" id="{5922BEEB-F3AC-E443-B34D-CE264A982284}"/>
+                <a16:creationId xmlns:a16="http://schemas.microsoft.com/office/drawing/2014/main" xmlns="" id="{5922BEEB-F3AC-E443-B34D-CE264A982284}"/>
               </a:ext>
             </a:extLst>
           </p:cNvPr>
@@ -16661,11 +16747,6 @@
               </a:rPr>
               <a:t>Basic Elements</a:t>
             </a:r>
-            <a:endParaRPr lang="en-US" altLang="zh-TW" sz="3200" b="1" dirty="0" smtClean="0">
-              <a:latin typeface="Times New Roman" charset="0"/>
-              <a:ea typeface="Times New Roman" charset="0"/>
-              <a:cs typeface="Times New Roman" charset="0"/>
-            </a:endParaRPr>
           </a:p>
           <a:p>
             <a:pPr>
@@ -26322,15 +26403,7 @@
                 <a:ea typeface="Times New Roman" charset="0"/>
                 <a:cs typeface="Times New Roman" charset="0"/>
               </a:rPr>
-              <a:t>EPC </a:t>
-            </a:r>
-            <a:r>
-              <a:rPr lang="en-US" altLang="zh-TW" dirty="0" smtClean="0">
-                <a:latin typeface="Times New Roman" charset="0"/>
-                <a:ea typeface="Times New Roman" charset="0"/>
-                <a:cs typeface="Times New Roman" charset="0"/>
-              </a:rPr>
-              <a:t>RFID </a:t>
+              <a:t>EPC RFID </a:t>
             </a:r>
             <a:r>
               <a:rPr lang="en-US" altLang="zh-TW" dirty="0">
@@ -26431,6 +26504,388 @@
       </p:transition>
     </mc:Choice>
     <mc:Fallback xmlns="">
+      <p:transition spd="med">
+        <p:fade/>
+      </p:transition>
+    </mc:Fallback>
+  </mc:AlternateContent>
+  <p:timing>
+    <p:tnLst>
+      <p:par>
+        <p:cTn id="1" dur="indefinite" restart="never" nodeType="tmRoot"/>
+      </p:par>
+    </p:tnLst>
+  </p:timing>
+</p:sld>
+</file>
+
+<file path=ppt/slides/slide44.xml><?xml version="1.0" encoding="utf-8"?>
+<p:sld xmlns:a="http://schemas.openxmlformats.org/drawingml/2006/main" xmlns:r="http://schemas.openxmlformats.org/officeDocument/2006/relationships" xmlns:p="http://schemas.openxmlformats.org/presentationml/2006/main">
+  <p:cSld>
+    <p:spTree>
+      <p:nvGrpSpPr>
+        <p:cNvPr id="1" name=""/>
+        <p:cNvGrpSpPr/>
+        <p:nvPr/>
+      </p:nvGrpSpPr>
+      <p:grpSpPr>
+        <a:xfrm>
+          <a:off x="0" y="0"/>
+          <a:ext cx="0" cy="0"/>
+          <a:chOff x="0" y="0"/>
+          <a:chExt cx="0" cy="0"/>
+        </a:xfrm>
+      </p:grpSpPr>
+      <p:sp>
+        <p:nvSpPr>
+          <p:cNvPr id="2" name="投影片編號版面配置區 1"/>
+          <p:cNvSpPr>
+            <a:spLocks noGrp="1"/>
+          </p:cNvSpPr>
+          <p:nvPr>
+            <p:ph type="sldNum" sz="quarter" idx="12"/>
+          </p:nvPr>
+        </p:nvSpPr>
+        <p:spPr/>
+        <p:txBody>
+          <a:bodyPr/>
+          <a:lstStyle/>
+          <a:p>
+            <a:fld id="{3EBBE1F4-AE36-AD42-8177-96288CD18AD2}" type="slidenum">
+              <a:rPr lang="en-US" smtClean="0"/>
+              <a:t>44</a:t>
+            </a:fld>
+            <a:endParaRPr lang="en-US"/>
+          </a:p>
+        </p:txBody>
+      </p:sp>
+      <p:sp>
+        <p:nvSpPr>
+          <p:cNvPr id="3" name="矩形 2"/>
+          <p:cNvSpPr/>
+          <p:nvPr/>
+        </p:nvSpPr>
+        <p:spPr>
+          <a:xfrm>
+            <a:off x="-288758" y="-168442"/>
+            <a:ext cx="12705347" cy="7315200"/>
+          </a:xfrm>
+          <a:prstGeom prst="rect">
+            <a:avLst/>
+          </a:prstGeom>
+          <a:solidFill>
+            <a:schemeClr val="tx2">
+              <a:lumMod val="75000"/>
+              <a:alpha val="65000"/>
+            </a:schemeClr>
+          </a:solidFill>
+          <a:ln>
+            <a:noFill/>
+          </a:ln>
+        </p:spPr>
+        <p:style>
+          <a:lnRef idx="2">
+            <a:schemeClr val="accent1">
+              <a:shade val="50000"/>
+            </a:schemeClr>
+          </a:lnRef>
+          <a:fillRef idx="1">
+            <a:schemeClr val="accent1"/>
+          </a:fillRef>
+          <a:effectRef idx="0">
+            <a:schemeClr val="accent1"/>
+          </a:effectRef>
+          <a:fontRef idx="minor">
+            <a:schemeClr val="lt1"/>
+          </a:fontRef>
+        </p:style>
+        <p:txBody>
+          <a:bodyPr rtlCol="0" anchor="ctr"/>
+          <a:lstStyle/>
+          <a:p>
+            <a:pPr algn="ctr"/>
+            <a:endParaRPr kumimoji="1" lang="zh-TW" altLang="en-US"/>
+          </a:p>
+        </p:txBody>
+      </p:sp>
+      <p:sp>
+        <p:nvSpPr>
+          <p:cNvPr id="4" name="文字方塊 3"/>
+          <p:cNvSpPr txBox="1"/>
+          <p:nvPr/>
+        </p:nvSpPr>
+        <p:spPr>
+          <a:xfrm>
+            <a:off x="-1588169" y="2641436"/>
+            <a:ext cx="15304168" cy="923330"/>
+          </a:xfrm>
+          <a:prstGeom prst="rect">
+            <a:avLst/>
+          </a:prstGeom>
+        </p:spPr>
+        <p:txBody>
+          <a:bodyPr vert="horz" wrap="square" lIns="91440" tIns="45720" rIns="91440" bIns="45720" rtlCol="0" anchor="ctr">
+            <a:spAutoFit/>
+          </a:bodyPr>
+          <a:lstStyle/>
+          <a:p>
+            <a:pPr algn="ctr"/>
+            <a:r>
+              <a:rPr kumimoji="1" lang="en-US" altLang="zh-TW" sz="5400" b="1" baseline="0" dirty="0" smtClean="0">
+                <a:solidFill>
+                  <a:schemeClr val="bg1">
+                    <a:lumMod val="95000"/>
+                  </a:schemeClr>
+                </a:solidFill>
+                <a:latin typeface="Times New Roman" charset="0"/>
+                <a:ea typeface="Times New Roman" charset="0"/>
+                <a:cs typeface="Times New Roman" charset="0"/>
+              </a:rPr>
+              <a:t>Ready to Find an</a:t>
+            </a:r>
+            <a:r>
+              <a:rPr kumimoji="1" lang="en-US" altLang="zh-TW" sz="5400" b="1" dirty="0" smtClean="0">
+                <a:solidFill>
+                  <a:schemeClr val="bg1">
+                    <a:lumMod val="95000"/>
+                  </a:schemeClr>
+                </a:solidFill>
+                <a:latin typeface="Times New Roman" charset="0"/>
+                <a:ea typeface="Times New Roman" charset="0"/>
+                <a:cs typeface="Times New Roman" charset="0"/>
+              </a:rPr>
+              <a:t> Interesting Domain</a:t>
+            </a:r>
+            <a:endParaRPr kumimoji="1" lang="zh-TW" altLang="en-US" sz="5400" b="1" baseline="0" dirty="0">
+              <a:solidFill>
+                <a:schemeClr val="bg1">
+                  <a:lumMod val="95000"/>
+                </a:schemeClr>
+              </a:solidFill>
+              <a:latin typeface="Times New Roman" charset="0"/>
+              <a:ea typeface="Times New Roman" charset="0"/>
+              <a:cs typeface="Times New Roman" charset="0"/>
+            </a:endParaRPr>
+          </a:p>
+        </p:txBody>
+      </p:sp>
+      <p:sp>
+        <p:nvSpPr>
+          <p:cNvPr id="5" name="文字方塊 4"/>
+          <p:cNvSpPr txBox="1"/>
+          <p:nvPr/>
+        </p:nvSpPr>
+        <p:spPr>
+          <a:xfrm>
+            <a:off x="-601573" y="2638017"/>
+            <a:ext cx="2887574" cy="923330"/>
+          </a:xfrm>
+          <a:prstGeom prst="rect">
+            <a:avLst/>
+          </a:prstGeom>
+        </p:spPr>
+        <p:txBody>
+          <a:bodyPr vert="horz" wrap="square" lIns="91440" tIns="45720" rIns="91440" bIns="45720" rtlCol="0" anchor="ctr">
+            <a:spAutoFit/>
+          </a:bodyPr>
+          <a:lstStyle/>
+          <a:p>
+            <a:pPr algn="ctr"/>
+            <a:r>
+              <a:rPr kumimoji="1" lang="en-US" altLang="zh-TW" sz="5400" b="1" baseline="0" dirty="0" smtClean="0">
+                <a:solidFill>
+                  <a:schemeClr val="accent4">
+                    <a:lumMod val="20000"/>
+                    <a:lumOff val="80000"/>
+                  </a:schemeClr>
+                </a:solidFill>
+                <a:latin typeface="Times New Roman" charset="0"/>
+                <a:ea typeface="Times New Roman" charset="0"/>
+                <a:cs typeface="Times New Roman" charset="0"/>
+              </a:rPr>
+              <a:t>R</a:t>
+            </a:r>
+            <a:endParaRPr kumimoji="1" lang="zh-TW" altLang="en-US" sz="5400" b="1" baseline="0" dirty="0">
+              <a:solidFill>
+                <a:schemeClr val="accent4">
+                  <a:lumMod val="20000"/>
+                  <a:lumOff val="80000"/>
+                </a:schemeClr>
+              </a:solidFill>
+              <a:latin typeface="Times New Roman" charset="0"/>
+              <a:ea typeface="Times New Roman" charset="0"/>
+              <a:cs typeface="Times New Roman" charset="0"/>
+            </a:endParaRPr>
+          </a:p>
+        </p:txBody>
+      </p:sp>
+      <p:sp>
+        <p:nvSpPr>
+          <p:cNvPr id="6" name="文字方塊 5"/>
+          <p:cNvSpPr txBox="1"/>
+          <p:nvPr/>
+        </p:nvSpPr>
+        <p:spPr>
+          <a:xfrm>
+            <a:off x="2726903" y="2644855"/>
+            <a:ext cx="1748845" cy="923330"/>
+          </a:xfrm>
+          <a:prstGeom prst="rect">
+            <a:avLst/>
+          </a:prstGeom>
+        </p:spPr>
+        <p:txBody>
+          <a:bodyPr vert="horz" wrap="square" lIns="91440" tIns="45720" rIns="91440" bIns="45720" rtlCol="0" anchor="ctr">
+            <a:spAutoFit/>
+          </a:bodyPr>
+          <a:lstStyle/>
+          <a:p>
+            <a:pPr algn="ctr"/>
+            <a:r>
+              <a:rPr kumimoji="1" lang="en-US" altLang="zh-TW" sz="5400" b="1" dirty="0">
+                <a:solidFill>
+                  <a:schemeClr val="accent4">
+                    <a:lumMod val="20000"/>
+                    <a:lumOff val="80000"/>
+                  </a:schemeClr>
+                </a:solidFill>
+                <a:latin typeface="Times New Roman" charset="0"/>
+                <a:ea typeface="Times New Roman" charset="0"/>
+                <a:cs typeface="Times New Roman" charset="0"/>
+              </a:rPr>
+              <a:t>F</a:t>
+            </a:r>
+            <a:endParaRPr kumimoji="1" lang="zh-TW" altLang="en-US" sz="5400" b="1" baseline="0" dirty="0">
+              <a:solidFill>
+                <a:schemeClr val="accent4">
+                  <a:lumMod val="20000"/>
+                  <a:lumOff val="80000"/>
+                </a:schemeClr>
+              </a:solidFill>
+              <a:latin typeface="Times New Roman" charset="0"/>
+              <a:ea typeface="Times New Roman" charset="0"/>
+              <a:cs typeface="Times New Roman" charset="0"/>
+            </a:endParaRPr>
+          </a:p>
+        </p:txBody>
+      </p:sp>
+      <p:sp>
+        <p:nvSpPr>
+          <p:cNvPr id="7" name="文字方塊 6"/>
+          <p:cNvSpPr txBox="1"/>
+          <p:nvPr/>
+        </p:nvSpPr>
+        <p:spPr>
+          <a:xfrm>
+            <a:off x="7988970" y="2644855"/>
+            <a:ext cx="2887574" cy="923330"/>
+          </a:xfrm>
+          <a:prstGeom prst="rect">
+            <a:avLst/>
+          </a:prstGeom>
+        </p:spPr>
+        <p:txBody>
+          <a:bodyPr vert="horz" wrap="square" lIns="91440" tIns="45720" rIns="91440" bIns="45720" rtlCol="0" anchor="ctr">
+            <a:spAutoFit/>
+          </a:bodyPr>
+          <a:lstStyle/>
+          <a:p>
+            <a:pPr algn="ctr"/>
+            <a:r>
+              <a:rPr kumimoji="1" lang="en-US" altLang="zh-TW" sz="5400" b="1" dirty="0" smtClean="0">
+                <a:solidFill>
+                  <a:schemeClr val="accent4">
+                    <a:lumMod val="20000"/>
+                    <a:lumOff val="80000"/>
+                  </a:schemeClr>
+                </a:solidFill>
+                <a:latin typeface="Times New Roman" charset="0"/>
+                <a:ea typeface="Times New Roman" charset="0"/>
+                <a:cs typeface="Times New Roman" charset="0"/>
+              </a:rPr>
+              <a:t>D</a:t>
+            </a:r>
+            <a:endParaRPr kumimoji="1" lang="zh-TW" altLang="en-US" sz="5400" b="1" baseline="0" dirty="0">
+              <a:solidFill>
+                <a:schemeClr val="accent4">
+                  <a:lumMod val="20000"/>
+                  <a:lumOff val="80000"/>
+                </a:schemeClr>
+              </a:solidFill>
+              <a:latin typeface="Times New Roman" charset="0"/>
+              <a:ea typeface="Times New Roman" charset="0"/>
+              <a:cs typeface="Times New Roman" charset="0"/>
+            </a:endParaRPr>
+          </a:p>
+        </p:txBody>
+      </p:sp>
+      <p:sp>
+        <p:nvSpPr>
+          <p:cNvPr id="8" name="文字方塊 7"/>
+          <p:cNvSpPr txBox="1"/>
+          <p:nvPr/>
+        </p:nvSpPr>
+        <p:spPr>
+          <a:xfrm>
+            <a:off x="4523870" y="2644855"/>
+            <a:ext cx="2887574" cy="923330"/>
+          </a:xfrm>
+          <a:prstGeom prst="rect">
+            <a:avLst/>
+          </a:prstGeom>
+        </p:spPr>
+        <p:txBody>
+          <a:bodyPr vert="horz" wrap="square" lIns="91440" tIns="45720" rIns="91440" bIns="45720" rtlCol="0" anchor="ctr">
+            <a:spAutoFit/>
+          </a:bodyPr>
+          <a:lstStyle/>
+          <a:p>
+            <a:pPr algn="ctr"/>
+            <a:r>
+              <a:rPr kumimoji="1" lang="en-US" altLang="zh-TW" sz="5400" b="1" dirty="0">
+                <a:solidFill>
+                  <a:schemeClr val="accent4">
+                    <a:lumMod val="20000"/>
+                    <a:lumOff val="80000"/>
+                  </a:schemeClr>
+                </a:solidFill>
+                <a:latin typeface="Times New Roman" charset="0"/>
+                <a:ea typeface="Times New Roman" charset="0"/>
+                <a:cs typeface="Times New Roman" charset="0"/>
+              </a:rPr>
+              <a:t>I</a:t>
+            </a:r>
+            <a:endParaRPr kumimoji="1" lang="zh-TW" altLang="en-US" sz="5400" b="1" baseline="0" dirty="0">
+              <a:solidFill>
+                <a:schemeClr val="accent4">
+                  <a:lumMod val="20000"/>
+                  <a:lumOff val="80000"/>
+                </a:schemeClr>
+              </a:solidFill>
+              <a:latin typeface="Times New Roman" charset="0"/>
+              <a:ea typeface="Times New Roman" charset="0"/>
+              <a:cs typeface="Times New Roman" charset="0"/>
+            </a:endParaRPr>
+          </a:p>
+        </p:txBody>
+      </p:sp>
+    </p:spTree>
+    <p:extLst>
+      <p:ext uri="{BB962C8B-B14F-4D97-AF65-F5344CB8AC3E}">
+        <p14:creationId xmlns:p14="http://schemas.microsoft.com/office/powerpoint/2010/main" val="540869097"/>
+      </p:ext>
+    </p:extLst>
+  </p:cSld>
+  <p:clrMapOvr>
+    <a:masterClrMapping/>
+  </p:clrMapOvr>
+  <mc:AlternateContent xmlns:mc="http://schemas.openxmlformats.org/markup-compatibility/2006">
+    <mc:Choice xmlns:p14="http://schemas.microsoft.com/office/powerpoint/2010/main" Requires="p14">
+      <p:transition spd="med" p14:dur="700">
+        <p:fade/>
+      </p:transition>
+    </mc:Choice>
+    <mc:Fallback>
       <p:transition spd="med">
         <p:fade/>
       </p:transition>
@@ -26535,35 +26990,35 @@
                 <a:gridCol w="2331963">
                   <a:extLst>
                     <a:ext uri="{9D8B030D-6E8A-4147-A177-3AD203B41FA5}">
-                      <a16:colId xmlns="" xmlns:a16="http://schemas.microsoft.com/office/drawing/2014/main" val="20000"/>
+                      <a16:colId xmlns:a16="http://schemas.microsoft.com/office/drawing/2014/main" xmlns="" val="20000"/>
                     </a:ext>
                   </a:extLst>
                 </a:gridCol>
                 <a:gridCol w="2331963">
                   <a:extLst>
                     <a:ext uri="{9D8B030D-6E8A-4147-A177-3AD203B41FA5}">
-                      <a16:colId xmlns="" xmlns:a16="http://schemas.microsoft.com/office/drawing/2014/main" val="20001"/>
+                      <a16:colId xmlns:a16="http://schemas.microsoft.com/office/drawing/2014/main" xmlns="" val="20001"/>
                     </a:ext>
                   </a:extLst>
                 </a:gridCol>
                 <a:gridCol w="2331963">
                   <a:extLst>
                     <a:ext uri="{9D8B030D-6E8A-4147-A177-3AD203B41FA5}">
-                      <a16:colId xmlns="" xmlns:a16="http://schemas.microsoft.com/office/drawing/2014/main" val="20002"/>
+                      <a16:colId xmlns:a16="http://schemas.microsoft.com/office/drawing/2014/main" xmlns="" val="20002"/>
                     </a:ext>
                   </a:extLst>
                 </a:gridCol>
                 <a:gridCol w="2331963">
                   <a:extLst>
                     <a:ext uri="{9D8B030D-6E8A-4147-A177-3AD203B41FA5}">
-                      <a16:colId xmlns="" xmlns:a16="http://schemas.microsoft.com/office/drawing/2014/main" val="20003"/>
+                      <a16:colId xmlns:a16="http://schemas.microsoft.com/office/drawing/2014/main" xmlns="" val="20003"/>
                     </a:ext>
                   </a:extLst>
                 </a:gridCol>
                 <a:gridCol w="2331963">
                   <a:extLst>
                     <a:ext uri="{9D8B030D-6E8A-4147-A177-3AD203B41FA5}">
-                      <a16:colId xmlns="" xmlns:a16="http://schemas.microsoft.com/office/drawing/2014/main" val="20004"/>
+                      <a16:colId xmlns:a16="http://schemas.microsoft.com/office/drawing/2014/main" xmlns="" val="20004"/>
                     </a:ext>
                   </a:extLst>
                 </a:gridCol>
@@ -27481,7 +27936,7 @@
                 </a:tc>
                 <a:extLst>
                   <a:ext uri="{0D108BD9-81ED-4DB2-BD59-A6C34878D82A}">
-                    <a16:rowId xmlns="" xmlns:a16="http://schemas.microsoft.com/office/drawing/2014/main" val="10000"/>
+                    <a16:rowId xmlns:a16="http://schemas.microsoft.com/office/drawing/2014/main" xmlns="" val="10000"/>
                   </a:ext>
                 </a:extLst>
               </a:tr>
@@ -28431,7 +28886,7 @@
                 </a:tc>
                 <a:extLst>
                   <a:ext uri="{0D108BD9-81ED-4DB2-BD59-A6C34878D82A}">
-                    <a16:rowId xmlns="" xmlns:a16="http://schemas.microsoft.com/office/drawing/2014/main" val="10001"/>
+                    <a16:rowId xmlns:a16="http://schemas.microsoft.com/office/drawing/2014/main" xmlns="" val="10001"/>
                   </a:ext>
                 </a:extLst>
               </a:tr>
@@ -29414,7 +29869,7 @@
                 </a:tc>
                 <a:extLst>
                   <a:ext uri="{0D108BD9-81ED-4DB2-BD59-A6C34878D82A}">
-                    <a16:rowId xmlns="" xmlns:a16="http://schemas.microsoft.com/office/drawing/2014/main" val="10002"/>
+                    <a16:rowId xmlns:a16="http://schemas.microsoft.com/office/drawing/2014/main" xmlns="" val="10002"/>
                   </a:ext>
                 </a:extLst>
               </a:tr>
@@ -30364,7 +30819,7 @@
                 </a:tc>
                 <a:extLst>
                   <a:ext uri="{0D108BD9-81ED-4DB2-BD59-A6C34878D82A}">
-                    <a16:rowId xmlns="" xmlns:a16="http://schemas.microsoft.com/office/drawing/2014/main" val="10003"/>
+                    <a16:rowId xmlns:a16="http://schemas.microsoft.com/office/drawing/2014/main" xmlns="" val="10003"/>
                   </a:ext>
                 </a:extLst>
               </a:tr>
@@ -31314,7 +31769,7 @@
                 </a:tc>
                 <a:extLst>
                   <a:ext uri="{0D108BD9-81ED-4DB2-BD59-A6C34878D82A}">
-                    <a16:rowId xmlns="" xmlns:a16="http://schemas.microsoft.com/office/drawing/2014/main" val="10004"/>
+                    <a16:rowId xmlns:a16="http://schemas.microsoft.com/office/drawing/2014/main" xmlns="" val="10004"/>
                   </a:ext>
                 </a:extLst>
               </a:tr>
@@ -34391,21 +34846,21 @@
                 <a:gridCol w="3840559">
                   <a:extLst>
                     <a:ext uri="{9D8B030D-6E8A-4147-A177-3AD203B41FA5}">
-                      <a16:colId xmlns="" xmlns:a16="http://schemas.microsoft.com/office/drawing/2014/main" val="20000"/>
+                      <a16:colId xmlns:a16="http://schemas.microsoft.com/office/drawing/2014/main" xmlns="" val="20000"/>
                     </a:ext>
                   </a:extLst>
                 </a:gridCol>
                 <a:gridCol w="3840559">
                   <a:extLst>
                     <a:ext uri="{9D8B030D-6E8A-4147-A177-3AD203B41FA5}">
-                      <a16:colId xmlns="" xmlns:a16="http://schemas.microsoft.com/office/drawing/2014/main" val="20001"/>
+                      <a16:colId xmlns:a16="http://schemas.microsoft.com/office/drawing/2014/main" xmlns="" val="20001"/>
                     </a:ext>
                   </a:extLst>
                 </a:gridCol>
                 <a:gridCol w="3840559">
                   <a:extLst>
                     <a:ext uri="{9D8B030D-6E8A-4147-A177-3AD203B41FA5}">
-                      <a16:colId xmlns="" xmlns:a16="http://schemas.microsoft.com/office/drawing/2014/main" val="20002"/>
+                      <a16:colId xmlns:a16="http://schemas.microsoft.com/office/drawing/2014/main" xmlns="" val="20002"/>
                     </a:ext>
                   </a:extLst>
                 </a:gridCol>
@@ -34511,7 +34966,7 @@
                 </a:tc>
                 <a:extLst>
                   <a:ext uri="{0D108BD9-81ED-4DB2-BD59-A6C34878D82A}">
-                    <a16:rowId xmlns="" xmlns:a16="http://schemas.microsoft.com/office/drawing/2014/main" val="10000"/>
+                    <a16:rowId xmlns:a16="http://schemas.microsoft.com/office/drawing/2014/main" xmlns="" val="10000"/>
                   </a:ext>
                 </a:extLst>
               </a:tr>
@@ -34606,7 +35061,7 @@
                 </a:tc>
                 <a:extLst>
                   <a:ext uri="{0D108BD9-81ED-4DB2-BD59-A6C34878D82A}">
-                    <a16:rowId xmlns="" xmlns:a16="http://schemas.microsoft.com/office/drawing/2014/main" val="10001"/>
+                    <a16:rowId xmlns:a16="http://schemas.microsoft.com/office/drawing/2014/main" xmlns="" val="10001"/>
                   </a:ext>
                 </a:extLst>
               </a:tr>
@@ -34693,7 +35148,7 @@
                 </a:tc>
                 <a:extLst>
                   <a:ext uri="{0D108BD9-81ED-4DB2-BD59-A6C34878D82A}">
-                    <a16:rowId xmlns="" xmlns:a16="http://schemas.microsoft.com/office/drawing/2014/main" val="10002"/>
+                    <a16:rowId xmlns:a16="http://schemas.microsoft.com/office/drawing/2014/main" xmlns="" val="10002"/>
                   </a:ext>
                 </a:extLst>
               </a:tr>
@@ -34890,21 +35345,21 @@
                 <a:gridCol w="3840559">
                   <a:extLst>
                     <a:ext uri="{9D8B030D-6E8A-4147-A177-3AD203B41FA5}">
-                      <a16:colId xmlns="" xmlns:a16="http://schemas.microsoft.com/office/drawing/2014/main" val="20000"/>
+                      <a16:colId xmlns:a16="http://schemas.microsoft.com/office/drawing/2014/main" xmlns="" val="20000"/>
                     </a:ext>
                   </a:extLst>
                 </a:gridCol>
                 <a:gridCol w="3840559">
                   <a:extLst>
                     <a:ext uri="{9D8B030D-6E8A-4147-A177-3AD203B41FA5}">
-                      <a16:colId xmlns="" xmlns:a16="http://schemas.microsoft.com/office/drawing/2014/main" val="20001"/>
+                      <a16:colId xmlns:a16="http://schemas.microsoft.com/office/drawing/2014/main" xmlns="" val="20001"/>
                     </a:ext>
                   </a:extLst>
                 </a:gridCol>
                 <a:gridCol w="3840559">
                   <a:extLst>
                     <a:ext uri="{9D8B030D-6E8A-4147-A177-3AD203B41FA5}">
-                      <a16:colId xmlns="" xmlns:a16="http://schemas.microsoft.com/office/drawing/2014/main" val="20002"/>
+                      <a16:colId xmlns:a16="http://schemas.microsoft.com/office/drawing/2014/main" xmlns="" val="20002"/>
                     </a:ext>
                   </a:extLst>
                 </a:gridCol>
@@ -35010,7 +35465,7 @@
                 </a:tc>
                 <a:extLst>
                   <a:ext uri="{0D108BD9-81ED-4DB2-BD59-A6C34878D82A}">
-                    <a16:rowId xmlns="" xmlns:a16="http://schemas.microsoft.com/office/drawing/2014/main" val="10000"/>
+                    <a16:rowId xmlns:a16="http://schemas.microsoft.com/office/drawing/2014/main" xmlns="" val="10000"/>
                   </a:ext>
                 </a:extLst>
               </a:tr>
@@ -35126,7 +35581,7 @@
                 </a:tc>
                 <a:extLst>
                   <a:ext uri="{0D108BD9-81ED-4DB2-BD59-A6C34878D82A}">
-                    <a16:rowId xmlns="" xmlns:a16="http://schemas.microsoft.com/office/drawing/2014/main" val="10001"/>
+                    <a16:rowId xmlns:a16="http://schemas.microsoft.com/office/drawing/2014/main" xmlns="" val="10001"/>
                   </a:ext>
                 </a:extLst>
               </a:tr>
@@ -35213,7 +35668,7 @@
                 </a:tc>
                 <a:extLst>
                   <a:ext uri="{0D108BD9-81ED-4DB2-BD59-A6C34878D82A}">
-                    <a16:rowId xmlns="" xmlns:a16="http://schemas.microsoft.com/office/drawing/2014/main" val="10002"/>
+                    <a16:rowId xmlns:a16="http://schemas.microsoft.com/office/drawing/2014/main" xmlns="" val="10002"/>
                   </a:ext>
                 </a:extLst>
               </a:tr>

--- a/Freshman_Training_RFID.pptx
+++ b/Freshman_Training_RFID.pptx
@@ -5485,7 +5485,7 @@
           <p:cNvPr id="20" name="Group 19">
             <a:extLst>
               <a:ext uri="{FF2B5EF4-FFF2-40B4-BE49-F238E27FC236}">
-                <a16:creationId xmlns:a16="http://schemas.microsoft.com/office/drawing/2014/main" xmlns="" id="{C3ED851A-5624-9445-94A3-FC256390EFF0}"/>
+                <a16:creationId xmlns:a16="http://schemas.microsoft.com/office/drawing/2014/main" id="{C3ED851A-5624-9445-94A3-FC256390EFF0}"/>
               </a:ext>
             </a:extLst>
           </p:cNvPr>
@@ -5505,7 +5505,7 @@
             <p:cNvPr id="21" name="箭號: 五邊形 12">
               <a:extLst>
                 <a:ext uri="{FF2B5EF4-FFF2-40B4-BE49-F238E27FC236}">
-                  <a16:creationId xmlns:a16="http://schemas.microsoft.com/office/drawing/2014/main" xmlns="" id="{7DED8486-E1FD-814E-B2DE-F488A3CEA671}"/>
+                  <a16:creationId xmlns:a16="http://schemas.microsoft.com/office/drawing/2014/main" id="{7DED8486-E1FD-814E-B2DE-F488A3CEA671}"/>
                 </a:ext>
               </a:extLst>
             </p:cNvPr>
@@ -5557,7 +5557,7 @@
             <p:cNvPr id="23" name="箭號: 五邊形 12">
               <a:extLst>
                 <a:ext uri="{FF2B5EF4-FFF2-40B4-BE49-F238E27FC236}">
-                  <a16:creationId xmlns:a16="http://schemas.microsoft.com/office/drawing/2014/main" xmlns="" id="{8C392F49-5181-FA4B-9412-A387B34C316C}"/>
+                  <a16:creationId xmlns:a16="http://schemas.microsoft.com/office/drawing/2014/main" id="{8C392F49-5181-FA4B-9412-A387B34C316C}"/>
                 </a:ext>
               </a:extLst>
             </p:cNvPr>
@@ -5616,7 +5616,7 @@
             <p:cNvPr id="26" name="箭號: 五邊形 12">
               <a:extLst>
                 <a:ext uri="{FF2B5EF4-FFF2-40B4-BE49-F238E27FC236}">
-                  <a16:creationId xmlns:a16="http://schemas.microsoft.com/office/drawing/2014/main" xmlns="" id="{A2A2AEE9-8884-2D45-AA3A-3CE8B669A441}"/>
+                  <a16:creationId xmlns:a16="http://schemas.microsoft.com/office/drawing/2014/main" id="{A2A2AEE9-8884-2D45-AA3A-3CE8B669A441}"/>
                 </a:ext>
               </a:extLst>
             </p:cNvPr>
@@ -6045,7 +6045,7 @@
           <p:cNvPr id="34" name="Text Placeholder 3">
             <a:extLst>
               <a:ext uri="{FF2B5EF4-FFF2-40B4-BE49-F238E27FC236}">
-                <a16:creationId xmlns:a16="http://schemas.microsoft.com/office/drawing/2014/main" xmlns="" id="{CB4F27FF-A5B2-0945-A886-8994C9CF0F9A}"/>
+                <a16:creationId xmlns:a16="http://schemas.microsoft.com/office/drawing/2014/main" id="{CB4F27FF-A5B2-0945-A886-8994C9CF0F9A}"/>
               </a:ext>
             </a:extLst>
           </p:cNvPr>
@@ -6099,7 +6099,7 @@
           <p:cNvPr id="35" name="Content Placeholder 5">
             <a:extLst>
               <a:ext uri="{FF2B5EF4-FFF2-40B4-BE49-F238E27FC236}">
-                <a16:creationId xmlns:a16="http://schemas.microsoft.com/office/drawing/2014/main" xmlns="" id="{1CE5651F-F4F6-9D45-A553-66B6FFCA522B}"/>
+                <a16:creationId xmlns:a16="http://schemas.microsoft.com/office/drawing/2014/main" id="{1CE5651F-F4F6-9D45-A553-66B6FFCA522B}"/>
               </a:ext>
             </a:extLst>
           </p:cNvPr>
@@ -6147,7 +6147,7 @@
           <p:cNvPr id="6" name="Picture 5">
             <a:extLst>
               <a:ext uri="{FF2B5EF4-FFF2-40B4-BE49-F238E27FC236}">
-                <a16:creationId xmlns:a16="http://schemas.microsoft.com/office/drawing/2014/main" xmlns="" id="{5BB22815-3E3B-0B48-9DCA-B05C2D5B9D70}"/>
+                <a16:creationId xmlns:a16="http://schemas.microsoft.com/office/drawing/2014/main" id="{5BB22815-3E3B-0B48-9DCA-B05C2D5B9D70}"/>
               </a:ext>
             </a:extLst>
           </p:cNvPr>
@@ -7249,7 +7249,7 @@
           <p:cNvPr id="15" name="直排文字版面配置區 2">
             <a:extLst>
               <a:ext uri="{FF2B5EF4-FFF2-40B4-BE49-F238E27FC236}">
-                <a16:creationId xmlns:a16="http://schemas.microsoft.com/office/drawing/2014/main" xmlns="" id="{5B0754CD-A593-D647-8F43-33A88CDADB61}"/>
+                <a16:creationId xmlns:a16="http://schemas.microsoft.com/office/drawing/2014/main" id="{5B0754CD-A593-D647-8F43-33A88CDADB61}"/>
               </a:ext>
             </a:extLst>
           </p:cNvPr>
@@ -7459,7 +7459,7 @@
           <p:cNvPr id="20" name="Group 19">
             <a:extLst>
               <a:ext uri="{FF2B5EF4-FFF2-40B4-BE49-F238E27FC236}">
-                <a16:creationId xmlns:a16="http://schemas.microsoft.com/office/drawing/2014/main" xmlns="" id="{C3ED851A-5624-9445-94A3-FC256390EFF0}"/>
+                <a16:creationId xmlns:a16="http://schemas.microsoft.com/office/drawing/2014/main" id="{C3ED851A-5624-9445-94A3-FC256390EFF0}"/>
               </a:ext>
             </a:extLst>
           </p:cNvPr>
@@ -7479,7 +7479,7 @@
             <p:cNvPr id="21" name="箭號: 五邊形 12">
               <a:extLst>
                 <a:ext uri="{FF2B5EF4-FFF2-40B4-BE49-F238E27FC236}">
-                  <a16:creationId xmlns:a16="http://schemas.microsoft.com/office/drawing/2014/main" xmlns="" id="{7DED8486-E1FD-814E-B2DE-F488A3CEA671}"/>
+                  <a16:creationId xmlns:a16="http://schemas.microsoft.com/office/drawing/2014/main" id="{7DED8486-E1FD-814E-B2DE-F488A3CEA671}"/>
                 </a:ext>
               </a:extLst>
             </p:cNvPr>
@@ -7531,7 +7531,7 @@
             <p:cNvPr id="23" name="箭號: 五邊形 12">
               <a:extLst>
                 <a:ext uri="{FF2B5EF4-FFF2-40B4-BE49-F238E27FC236}">
-                  <a16:creationId xmlns:a16="http://schemas.microsoft.com/office/drawing/2014/main" xmlns="" id="{8C392F49-5181-FA4B-9412-A387B34C316C}"/>
+                  <a16:creationId xmlns:a16="http://schemas.microsoft.com/office/drawing/2014/main" id="{8C392F49-5181-FA4B-9412-A387B34C316C}"/>
                 </a:ext>
               </a:extLst>
             </p:cNvPr>
@@ -7590,7 +7590,7 @@
             <p:cNvPr id="26" name="箭號: 五邊形 12">
               <a:extLst>
                 <a:ext uri="{FF2B5EF4-FFF2-40B4-BE49-F238E27FC236}">
-                  <a16:creationId xmlns:a16="http://schemas.microsoft.com/office/drawing/2014/main" xmlns="" id="{A2A2AEE9-8884-2D45-AA3A-3CE8B669A441}"/>
+                  <a16:creationId xmlns:a16="http://schemas.microsoft.com/office/drawing/2014/main" id="{A2A2AEE9-8884-2D45-AA3A-3CE8B669A441}"/>
                 </a:ext>
               </a:extLst>
             </p:cNvPr>
@@ -8019,7 +8019,7 @@
           <p:cNvPr id="34" name="Text Placeholder 3">
             <a:extLst>
               <a:ext uri="{FF2B5EF4-FFF2-40B4-BE49-F238E27FC236}">
-                <a16:creationId xmlns:a16="http://schemas.microsoft.com/office/drawing/2014/main" xmlns="" id="{CB4F27FF-A5B2-0945-A886-8994C9CF0F9A}"/>
+                <a16:creationId xmlns:a16="http://schemas.microsoft.com/office/drawing/2014/main" id="{CB4F27FF-A5B2-0945-A886-8994C9CF0F9A}"/>
               </a:ext>
             </a:extLst>
           </p:cNvPr>
@@ -8073,7 +8073,7 @@
           <p:cNvPr id="35" name="Content Placeholder 5">
             <a:extLst>
               <a:ext uri="{FF2B5EF4-FFF2-40B4-BE49-F238E27FC236}">
-                <a16:creationId xmlns:a16="http://schemas.microsoft.com/office/drawing/2014/main" xmlns="" id="{1CE5651F-F4F6-9D45-A553-66B6FFCA522B}"/>
+                <a16:creationId xmlns:a16="http://schemas.microsoft.com/office/drawing/2014/main" id="{1CE5651F-F4F6-9D45-A553-66B6FFCA522B}"/>
               </a:ext>
             </a:extLst>
           </p:cNvPr>
@@ -8121,7 +8121,7 @@
           <p:cNvPr id="6" name="Picture 5">
             <a:extLst>
               <a:ext uri="{FF2B5EF4-FFF2-40B4-BE49-F238E27FC236}">
-                <a16:creationId xmlns:a16="http://schemas.microsoft.com/office/drawing/2014/main" xmlns="" id="{5BB22815-3E3B-0B48-9DCA-B05C2D5B9D70}"/>
+                <a16:creationId xmlns:a16="http://schemas.microsoft.com/office/drawing/2014/main" id="{5BB22815-3E3B-0B48-9DCA-B05C2D5B9D70}"/>
               </a:ext>
             </a:extLst>
           </p:cNvPr>
@@ -8833,7 +8833,7 @@
           <p:cNvPr id="12" name="Group 11">
             <a:extLst>
               <a:ext uri="{FF2B5EF4-FFF2-40B4-BE49-F238E27FC236}">
-                <a16:creationId xmlns:a16="http://schemas.microsoft.com/office/drawing/2014/main" xmlns="" id="{FECCA331-FFA6-F840-9C60-BF25ACF3BDB5}"/>
+                <a16:creationId xmlns:a16="http://schemas.microsoft.com/office/drawing/2014/main" id="{FECCA331-FFA6-F840-9C60-BF25ACF3BDB5}"/>
               </a:ext>
             </a:extLst>
           </p:cNvPr>
@@ -8853,7 +8853,7 @@
             <p:cNvPr id="13" name="箭號: 五邊形 12">
               <a:extLst>
                 <a:ext uri="{FF2B5EF4-FFF2-40B4-BE49-F238E27FC236}">
-                  <a16:creationId xmlns:a16="http://schemas.microsoft.com/office/drawing/2014/main" xmlns="" id="{1ECC6466-4EFD-5345-BC17-67AB57731DB7}"/>
+                  <a16:creationId xmlns:a16="http://schemas.microsoft.com/office/drawing/2014/main" id="{1ECC6466-4EFD-5345-BC17-67AB57731DB7}"/>
                 </a:ext>
               </a:extLst>
             </p:cNvPr>
@@ -8905,7 +8905,7 @@
             <p:cNvPr id="14" name="箭號: 五邊形 12">
               <a:extLst>
                 <a:ext uri="{FF2B5EF4-FFF2-40B4-BE49-F238E27FC236}">
-                  <a16:creationId xmlns:a16="http://schemas.microsoft.com/office/drawing/2014/main" xmlns="" id="{6CF55724-0A99-E64A-AB4C-0938CB62E153}"/>
+                  <a16:creationId xmlns:a16="http://schemas.microsoft.com/office/drawing/2014/main" id="{6CF55724-0A99-E64A-AB4C-0938CB62E153}"/>
                 </a:ext>
               </a:extLst>
             </p:cNvPr>
@@ -8964,7 +8964,7 @@
             <p:cNvPr id="15" name="箭號: 五邊形 12">
               <a:extLst>
                 <a:ext uri="{FF2B5EF4-FFF2-40B4-BE49-F238E27FC236}">
-                  <a16:creationId xmlns:a16="http://schemas.microsoft.com/office/drawing/2014/main" xmlns="" id="{D65D1FB8-4CF4-8B4A-A307-6F7F618C0D88}"/>
+                  <a16:creationId xmlns:a16="http://schemas.microsoft.com/office/drawing/2014/main" id="{D65D1FB8-4CF4-8B4A-A307-6F7F618C0D88}"/>
                 </a:ext>
               </a:extLst>
             </p:cNvPr>
@@ -9273,7 +9273,7 @@
           <p:cNvPr id="5" name="Picture 4">
             <a:extLst>
               <a:ext uri="{FF2B5EF4-FFF2-40B4-BE49-F238E27FC236}">
-                <a16:creationId xmlns:a16="http://schemas.microsoft.com/office/drawing/2014/main" xmlns="" id="{33C27645-19DC-4542-810A-E94761D6E227}"/>
+                <a16:creationId xmlns:a16="http://schemas.microsoft.com/office/drawing/2014/main" id="{33C27645-19DC-4542-810A-E94761D6E227}"/>
               </a:ext>
             </a:extLst>
           </p:cNvPr>
@@ -9772,7 +9772,7 @@
           <p:cNvPr id="23" name="內容版面配置區 2">
             <a:extLst>
               <a:ext uri="{FF2B5EF4-FFF2-40B4-BE49-F238E27FC236}">
-                <a16:creationId xmlns:a16="http://schemas.microsoft.com/office/drawing/2014/main" xmlns="" id="{9D1178A4-A62F-AE47-B4FD-DFBDEBC0B7E1}"/>
+                <a16:creationId xmlns:a16="http://schemas.microsoft.com/office/drawing/2014/main" id="{9D1178A4-A62F-AE47-B4FD-DFBDEBC0B7E1}"/>
               </a:ext>
             </a:extLst>
           </p:cNvPr>
@@ -9919,7 +9919,7 @@
           <p:cNvPr id="24" name="內容版面配置區 2">
             <a:extLst>
               <a:ext uri="{FF2B5EF4-FFF2-40B4-BE49-F238E27FC236}">
-                <a16:creationId xmlns:a16="http://schemas.microsoft.com/office/drawing/2014/main" xmlns="" id="{18BDE748-AF06-9848-B53D-40087470A386}"/>
+                <a16:creationId xmlns:a16="http://schemas.microsoft.com/office/drawing/2014/main" id="{18BDE748-AF06-9848-B53D-40087470A386}"/>
               </a:ext>
             </a:extLst>
           </p:cNvPr>
@@ -10670,7 +10670,7 @@
           <p:cNvPr id="20" name="內容版面配置區 2">
             <a:extLst>
               <a:ext uri="{FF2B5EF4-FFF2-40B4-BE49-F238E27FC236}">
-                <a16:creationId xmlns:a16="http://schemas.microsoft.com/office/drawing/2014/main" xmlns="" id="{9A4A12A5-18A4-CA4A-8E68-97EAFD19927B}"/>
+                <a16:creationId xmlns:a16="http://schemas.microsoft.com/office/drawing/2014/main" id="{9A4A12A5-18A4-CA4A-8E68-97EAFD19927B}"/>
               </a:ext>
             </a:extLst>
           </p:cNvPr>
@@ -10817,7 +10817,7 @@
           <p:cNvPr id="21" name="內容版面配置區 2">
             <a:extLst>
               <a:ext uri="{FF2B5EF4-FFF2-40B4-BE49-F238E27FC236}">
-                <a16:creationId xmlns:a16="http://schemas.microsoft.com/office/drawing/2014/main" xmlns="" id="{E09B3CAD-22B9-BC48-9D7D-2345FF14DD38}"/>
+                <a16:creationId xmlns:a16="http://schemas.microsoft.com/office/drawing/2014/main" id="{E09B3CAD-22B9-BC48-9D7D-2345FF14DD38}"/>
               </a:ext>
             </a:extLst>
           </p:cNvPr>
@@ -11734,7 +11734,7 @@
           <p:cNvPr id="5" name="Group 4">
             <a:extLst>
               <a:ext uri="{FF2B5EF4-FFF2-40B4-BE49-F238E27FC236}">
-                <a16:creationId xmlns:a16="http://schemas.microsoft.com/office/drawing/2014/main" xmlns="" id="{4DADA6C2-E637-F642-95E5-0309E3EB9F41}"/>
+                <a16:creationId xmlns:a16="http://schemas.microsoft.com/office/drawing/2014/main" id="{4DADA6C2-E637-F642-95E5-0309E3EB9F41}"/>
               </a:ext>
             </a:extLst>
           </p:cNvPr>
@@ -11754,7 +11754,7 @@
             <p:cNvPr id="17" name="箭號: 五邊形 12">
               <a:extLst>
                 <a:ext uri="{FF2B5EF4-FFF2-40B4-BE49-F238E27FC236}">
-                  <a16:creationId xmlns:a16="http://schemas.microsoft.com/office/drawing/2014/main" xmlns="" id="{C3424005-2947-5749-B94D-7EE01D59B97D}"/>
+                  <a16:creationId xmlns:a16="http://schemas.microsoft.com/office/drawing/2014/main" id="{C3424005-2947-5749-B94D-7EE01D59B97D}"/>
                 </a:ext>
               </a:extLst>
             </p:cNvPr>
@@ -11806,7 +11806,7 @@
             <p:cNvPr id="16" name="箭號: 五邊形 12">
               <a:extLst>
                 <a:ext uri="{FF2B5EF4-FFF2-40B4-BE49-F238E27FC236}">
-                  <a16:creationId xmlns:a16="http://schemas.microsoft.com/office/drawing/2014/main" xmlns="" id="{78B68587-E393-9C46-A4CA-137BCC2B13AD}"/>
+                  <a16:creationId xmlns:a16="http://schemas.microsoft.com/office/drawing/2014/main" id="{78B68587-E393-9C46-A4CA-137BCC2B13AD}"/>
                 </a:ext>
               </a:extLst>
             </p:cNvPr>
@@ -12274,7 +12274,7 @@
           <p:cNvPr id="18" name="內容版面配置區 2">
             <a:extLst>
               <a:ext uri="{FF2B5EF4-FFF2-40B4-BE49-F238E27FC236}">
-                <a16:creationId xmlns:a16="http://schemas.microsoft.com/office/drawing/2014/main" xmlns="" id="{BB9680E6-3D9F-FF42-BA19-F206A773FE60}"/>
+                <a16:creationId xmlns:a16="http://schemas.microsoft.com/office/drawing/2014/main" id="{BB9680E6-3D9F-FF42-BA19-F206A773FE60}"/>
               </a:ext>
             </a:extLst>
           </p:cNvPr>
@@ -12459,7 +12459,7 @@
           <p:cNvPr id="15" name="Group 14">
             <a:extLst>
               <a:ext uri="{FF2B5EF4-FFF2-40B4-BE49-F238E27FC236}">
-                <a16:creationId xmlns:a16="http://schemas.microsoft.com/office/drawing/2014/main" xmlns="" id="{7108562A-19D8-3347-A5CB-8FD2094D2AC6}"/>
+                <a16:creationId xmlns:a16="http://schemas.microsoft.com/office/drawing/2014/main" id="{7108562A-19D8-3347-A5CB-8FD2094D2AC6}"/>
               </a:ext>
             </a:extLst>
           </p:cNvPr>
@@ -12479,7 +12479,7 @@
             <p:cNvPr id="16" name="箭號: 五邊形 12">
               <a:extLst>
                 <a:ext uri="{FF2B5EF4-FFF2-40B4-BE49-F238E27FC236}">
-                  <a16:creationId xmlns:a16="http://schemas.microsoft.com/office/drawing/2014/main" xmlns="" id="{0350FA7D-8512-F24E-9F36-7F4296D197F2}"/>
+                  <a16:creationId xmlns:a16="http://schemas.microsoft.com/office/drawing/2014/main" id="{0350FA7D-8512-F24E-9F36-7F4296D197F2}"/>
                 </a:ext>
               </a:extLst>
             </p:cNvPr>
@@ -12531,7 +12531,7 @@
             <p:cNvPr id="17" name="箭號: 五邊形 12">
               <a:extLst>
                 <a:ext uri="{FF2B5EF4-FFF2-40B4-BE49-F238E27FC236}">
-                  <a16:creationId xmlns:a16="http://schemas.microsoft.com/office/drawing/2014/main" xmlns="" id="{125DE2BA-1E8B-2447-AEBE-4BDB2873316E}"/>
+                  <a16:creationId xmlns:a16="http://schemas.microsoft.com/office/drawing/2014/main" id="{125DE2BA-1E8B-2447-AEBE-4BDB2873316E}"/>
                 </a:ext>
               </a:extLst>
             </p:cNvPr>
@@ -12590,7 +12590,7 @@
             <p:cNvPr id="18" name="箭號: 五邊形 12">
               <a:extLst>
                 <a:ext uri="{FF2B5EF4-FFF2-40B4-BE49-F238E27FC236}">
-                  <a16:creationId xmlns:a16="http://schemas.microsoft.com/office/drawing/2014/main" xmlns="" id="{467877CF-B77C-BE4F-8D6F-89063BBFC3DE}"/>
+                  <a16:creationId xmlns:a16="http://schemas.microsoft.com/office/drawing/2014/main" id="{467877CF-B77C-BE4F-8D6F-89063BBFC3DE}"/>
                 </a:ext>
               </a:extLst>
             </p:cNvPr>
@@ -12953,7 +12953,7 @@
           <p:cNvPr id="22" name="標題 1">
             <a:extLst>
               <a:ext uri="{FF2B5EF4-FFF2-40B4-BE49-F238E27FC236}">
-                <a16:creationId xmlns:a16="http://schemas.microsoft.com/office/drawing/2014/main" xmlns="" id="{6E193196-9107-784C-A964-C67153D060CB}"/>
+                <a16:creationId xmlns:a16="http://schemas.microsoft.com/office/drawing/2014/main" id="{6E193196-9107-784C-A964-C67153D060CB}"/>
               </a:ext>
             </a:extLst>
           </p:cNvPr>
@@ -12996,7 +12996,7 @@
           <p:cNvPr id="24" name="文字版面配置區 3">
             <a:extLst>
               <a:ext uri="{FF2B5EF4-FFF2-40B4-BE49-F238E27FC236}">
-                <a16:creationId xmlns:a16="http://schemas.microsoft.com/office/drawing/2014/main" xmlns="" id="{5922BEEB-F3AC-E443-B34D-CE264A982284}"/>
+                <a16:creationId xmlns:a16="http://schemas.microsoft.com/office/drawing/2014/main" id="{5922BEEB-F3AC-E443-B34D-CE264A982284}"/>
               </a:ext>
             </a:extLst>
           </p:cNvPr>
@@ -20785,7 +20785,7 @@
                       <m:sSupPr>
                         <m:ctrlPr>
                           <a:rPr lang="en-US" altLang="zh-TW" i="1" smtClean="0">
-                            <a:latin typeface="Cambria Math" charset="0"/>
+                            <a:latin typeface="Cambria Math" panose="02040503050406030204" pitchFamily="18" charset="0"/>
                             <a:ea typeface="Times New Roman" charset="0"/>
                             <a:cs typeface="Times New Roman" charset="0"/>
                           </a:rPr>
@@ -26567,7 +26567,7 @@
         </p:nvSpPr>
         <p:spPr>
           <a:xfrm>
-            <a:off x="-288758" y="-168442"/>
+            <a:off x="-288759" y="-96253"/>
             <a:ext cx="12705347" cy="7315200"/>
           </a:xfrm>
           <a:prstGeom prst="rect">
@@ -26869,6 +26869,50 @@
           </a:p>
         </p:txBody>
       </p:sp>
+      <p:sp>
+        <p:nvSpPr>
+          <p:cNvPr id="11" name="文字方塊 10"/>
+          <p:cNvSpPr txBox="1"/>
+          <p:nvPr/>
+        </p:nvSpPr>
+        <p:spPr>
+          <a:xfrm>
+            <a:off x="3622793" y="2437106"/>
+            <a:ext cx="4882243" cy="1338828"/>
+          </a:xfrm>
+          <a:prstGeom prst="rect">
+            <a:avLst/>
+          </a:prstGeom>
+        </p:spPr>
+        <p:txBody>
+          <a:bodyPr vert="horz" wrap="square" lIns="91440" tIns="45720" rIns="91440" bIns="45720" rtlCol="0" anchor="ctr">
+            <a:spAutoFit/>
+          </a:bodyPr>
+          <a:lstStyle/>
+          <a:p>
+            <a:pPr algn="ctr"/>
+            <a:r>
+              <a:rPr lang="en-US" altLang="zh-TW" sz="8100" b="1" baseline="0" dirty="0" smtClean="0">
+                <a:solidFill>
+                  <a:srgbClr val="FFF2CC"/>
+                </a:solidFill>
+                <a:latin typeface="Times New Roman" panose="02020603050405020304" pitchFamily="18" charset="0"/>
+                <a:ea typeface="微軟正黑體" panose="020B0604030504040204" pitchFamily="34" charset="-120"/>
+                <a:cs typeface="Times New Roman" panose="02020603050405020304" pitchFamily="18" charset="0"/>
+              </a:rPr>
+              <a:t>RFID</a:t>
+            </a:r>
+            <a:endParaRPr lang="zh-TW" altLang="en-US" sz="8100" b="1" baseline="0" dirty="0">
+              <a:solidFill>
+                <a:srgbClr val="FFF2CC"/>
+              </a:solidFill>
+              <a:latin typeface="Times New Roman" panose="02020603050405020304" pitchFamily="18" charset="0"/>
+              <a:ea typeface="微軟正黑體" panose="020B0604030504040204" pitchFamily="34" charset="-120"/>
+              <a:cs typeface="Times New Roman" panose="02020603050405020304" pitchFamily="18" charset="0"/>
+            </a:endParaRPr>
+          </a:p>
+        </p:txBody>
+      </p:sp>
     </p:spTree>
     <p:extLst>
       <p:ext uri="{BB962C8B-B14F-4D97-AF65-F5344CB8AC3E}">
@@ -26879,13 +26923,13 @@
   <p:clrMapOvr>
     <a:masterClrMapping/>
   </p:clrMapOvr>
-  <mc:AlternateContent xmlns:mc="http://schemas.openxmlformats.org/markup-compatibility/2006">
-    <mc:Choice xmlns:p14="http://schemas.microsoft.com/office/powerpoint/2010/main" Requires="p14">
+  <mc:AlternateContent xmlns:mc="http://schemas.openxmlformats.org/markup-compatibility/2006" xmlns:p14="http://schemas.microsoft.com/office/powerpoint/2010/main">
+    <mc:Choice Requires="p14">
       <p:transition spd="med" p14:dur="700">
         <p:fade/>
       </p:transition>
     </mc:Choice>
-    <mc:Fallback>
+    <mc:Fallback xmlns="">
       <p:transition spd="med">
         <p:fade/>
       </p:transition>
@@ -26894,9 +26938,598 @@
   <p:timing>
     <p:tnLst>
       <p:par>
-        <p:cTn id="1" dur="indefinite" restart="never" nodeType="tmRoot"/>
+        <p:cTn id="1" dur="indefinite" restart="never" nodeType="tmRoot">
+          <p:childTnLst>
+            <p:seq concurrent="1" nextAc="seek">
+              <p:cTn id="2" dur="indefinite" nodeType="mainSeq">
+                <p:childTnLst>
+                  <p:par>
+                    <p:cTn id="3" fill="hold">
+                      <p:stCondLst>
+                        <p:cond delay="indefinite"/>
+                      </p:stCondLst>
+                      <p:childTnLst>
+                        <p:par>
+                          <p:cTn id="4" fill="hold">
+                            <p:stCondLst>
+                              <p:cond delay="0"/>
+                            </p:stCondLst>
+                            <p:childTnLst>
+                              <p:par>
+                                <p:cTn id="5" presetID="10" presetClass="entr" presetSubtype="0" fill="hold" grpId="0" nodeType="clickEffect">
+                                  <p:stCondLst>
+                                    <p:cond delay="0"/>
+                                  </p:stCondLst>
+                                  <p:childTnLst>
+                                    <p:set>
+                                      <p:cBhvr>
+                                        <p:cTn id="6" dur="1" fill="hold">
+                                          <p:stCondLst>
+                                            <p:cond delay="0"/>
+                                          </p:stCondLst>
+                                        </p:cTn>
+                                        <p:tgtEl>
+                                          <p:spTgt spid="5"/>
+                                        </p:tgtEl>
+                                        <p:attrNameLst>
+                                          <p:attrName>style.visibility</p:attrName>
+                                        </p:attrNameLst>
+                                      </p:cBhvr>
+                                      <p:to>
+                                        <p:strVal val="visible"/>
+                                      </p:to>
+                                    </p:set>
+                                    <p:animEffect transition="in" filter="fade">
+                                      <p:cBhvr>
+                                        <p:cTn id="7" dur="500"/>
+                                        <p:tgtEl>
+                                          <p:spTgt spid="5"/>
+                                        </p:tgtEl>
+                                      </p:cBhvr>
+                                    </p:animEffect>
+                                  </p:childTnLst>
+                                </p:cTn>
+                              </p:par>
+                              <p:par>
+                                <p:cTn id="8" presetID="10" presetClass="entr" presetSubtype="0" fill="hold" grpId="0" nodeType="withEffect">
+                                  <p:stCondLst>
+                                    <p:cond delay="0"/>
+                                  </p:stCondLst>
+                                  <p:childTnLst>
+                                    <p:set>
+                                      <p:cBhvr>
+                                        <p:cTn id="9" dur="1" fill="hold">
+                                          <p:stCondLst>
+                                            <p:cond delay="0"/>
+                                          </p:stCondLst>
+                                        </p:cTn>
+                                        <p:tgtEl>
+                                          <p:spTgt spid="6"/>
+                                        </p:tgtEl>
+                                        <p:attrNameLst>
+                                          <p:attrName>style.visibility</p:attrName>
+                                        </p:attrNameLst>
+                                      </p:cBhvr>
+                                      <p:to>
+                                        <p:strVal val="visible"/>
+                                      </p:to>
+                                    </p:set>
+                                    <p:animEffect transition="in" filter="fade">
+                                      <p:cBhvr>
+                                        <p:cTn id="10" dur="500"/>
+                                        <p:tgtEl>
+                                          <p:spTgt spid="6"/>
+                                        </p:tgtEl>
+                                      </p:cBhvr>
+                                    </p:animEffect>
+                                  </p:childTnLst>
+                                </p:cTn>
+                              </p:par>
+                              <p:par>
+                                <p:cTn id="11" presetID="10" presetClass="entr" presetSubtype="0" fill="hold" grpId="0" nodeType="withEffect">
+                                  <p:stCondLst>
+                                    <p:cond delay="0"/>
+                                  </p:stCondLst>
+                                  <p:childTnLst>
+                                    <p:set>
+                                      <p:cBhvr>
+                                        <p:cTn id="12" dur="1" fill="hold">
+                                          <p:stCondLst>
+                                            <p:cond delay="0"/>
+                                          </p:stCondLst>
+                                        </p:cTn>
+                                        <p:tgtEl>
+                                          <p:spTgt spid="8"/>
+                                        </p:tgtEl>
+                                        <p:attrNameLst>
+                                          <p:attrName>style.visibility</p:attrName>
+                                        </p:attrNameLst>
+                                      </p:cBhvr>
+                                      <p:to>
+                                        <p:strVal val="visible"/>
+                                      </p:to>
+                                    </p:set>
+                                    <p:animEffect transition="in" filter="fade">
+                                      <p:cBhvr>
+                                        <p:cTn id="13" dur="500"/>
+                                        <p:tgtEl>
+                                          <p:spTgt spid="8"/>
+                                        </p:tgtEl>
+                                      </p:cBhvr>
+                                    </p:animEffect>
+                                  </p:childTnLst>
+                                </p:cTn>
+                              </p:par>
+                              <p:par>
+                                <p:cTn id="14" presetID="10" presetClass="entr" presetSubtype="0" fill="hold" grpId="0" nodeType="withEffect">
+                                  <p:stCondLst>
+                                    <p:cond delay="0"/>
+                                  </p:stCondLst>
+                                  <p:childTnLst>
+                                    <p:set>
+                                      <p:cBhvr>
+                                        <p:cTn id="15" dur="1" fill="hold">
+                                          <p:stCondLst>
+                                            <p:cond delay="0"/>
+                                          </p:stCondLst>
+                                        </p:cTn>
+                                        <p:tgtEl>
+                                          <p:spTgt spid="7"/>
+                                        </p:tgtEl>
+                                        <p:attrNameLst>
+                                          <p:attrName>style.visibility</p:attrName>
+                                        </p:attrNameLst>
+                                      </p:cBhvr>
+                                      <p:to>
+                                        <p:strVal val="visible"/>
+                                      </p:to>
+                                    </p:set>
+                                    <p:animEffect transition="in" filter="fade">
+                                      <p:cBhvr>
+                                        <p:cTn id="16" dur="500"/>
+                                        <p:tgtEl>
+                                          <p:spTgt spid="7"/>
+                                        </p:tgtEl>
+                                      </p:cBhvr>
+                                    </p:animEffect>
+                                  </p:childTnLst>
+                                </p:cTn>
+                              </p:par>
+                            </p:childTnLst>
+                          </p:cTn>
+                        </p:par>
+                        <p:par>
+                          <p:cTn id="17" fill="hold">
+                            <p:stCondLst>
+                              <p:cond delay="500"/>
+                            </p:stCondLst>
+                            <p:childTnLst>
+                              <p:par>
+                                <p:cTn id="18" presetID="10" presetClass="exit" presetSubtype="0" fill="hold" grpId="0" nodeType="afterEffect">
+                                  <p:stCondLst>
+                                    <p:cond delay="0"/>
+                                  </p:stCondLst>
+                                  <p:childTnLst>
+                                    <p:animEffect transition="out" filter="fade">
+                                      <p:cBhvr>
+                                        <p:cTn id="19" dur="500"/>
+                                        <p:tgtEl>
+                                          <p:spTgt spid="4"/>
+                                        </p:tgtEl>
+                                      </p:cBhvr>
+                                    </p:animEffect>
+                                    <p:set>
+                                      <p:cBhvr>
+                                        <p:cTn id="20" dur="1" fill="hold">
+                                          <p:stCondLst>
+                                            <p:cond delay="499"/>
+                                          </p:stCondLst>
+                                        </p:cTn>
+                                        <p:tgtEl>
+                                          <p:spTgt spid="4"/>
+                                        </p:tgtEl>
+                                        <p:attrNameLst>
+                                          <p:attrName>style.visibility</p:attrName>
+                                        </p:attrNameLst>
+                                      </p:cBhvr>
+                                      <p:to>
+                                        <p:strVal val="hidden"/>
+                                      </p:to>
+                                    </p:set>
+                                  </p:childTnLst>
+                                </p:cTn>
+                              </p:par>
+                            </p:childTnLst>
+                          </p:cTn>
+                        </p:par>
+                        <p:par>
+                          <p:cTn id="21" fill="hold">
+                            <p:stCondLst>
+                              <p:cond delay="1000"/>
+                            </p:stCondLst>
+                            <p:childTnLst>
+                              <p:par>
+                                <p:cTn id="22" presetID="6" presetClass="emph" presetSubtype="0" fill="hold" grpId="1" nodeType="afterEffect">
+                                  <p:stCondLst>
+                                    <p:cond delay="0"/>
+                                  </p:stCondLst>
+                                  <p:childTnLst>
+                                    <p:animScale>
+                                      <p:cBhvr>
+                                        <p:cTn id="23" dur="1000" fill="hold"/>
+                                        <p:tgtEl>
+                                          <p:spTgt spid="7"/>
+                                        </p:tgtEl>
+                                      </p:cBhvr>
+                                      <p:by x="150000" y="150000"/>
+                                    </p:animScale>
+                                  </p:childTnLst>
+                                </p:cTn>
+                              </p:par>
+                              <p:par>
+                                <p:cTn id="24" presetID="6" presetClass="emph" presetSubtype="0" fill="hold" grpId="1" nodeType="withEffect">
+                                  <p:stCondLst>
+                                    <p:cond delay="0"/>
+                                  </p:stCondLst>
+                                  <p:childTnLst>
+                                    <p:animScale>
+                                      <p:cBhvr>
+                                        <p:cTn id="25" dur="1000" fill="hold"/>
+                                        <p:tgtEl>
+                                          <p:spTgt spid="8"/>
+                                        </p:tgtEl>
+                                      </p:cBhvr>
+                                      <p:by x="150000" y="150000"/>
+                                    </p:animScale>
+                                  </p:childTnLst>
+                                </p:cTn>
+                              </p:par>
+                              <p:par>
+                                <p:cTn id="26" presetID="6" presetClass="emph" presetSubtype="0" fill="hold" grpId="1" nodeType="withEffect">
+                                  <p:stCondLst>
+                                    <p:cond delay="0"/>
+                                  </p:stCondLst>
+                                  <p:childTnLst>
+                                    <p:animScale>
+                                      <p:cBhvr>
+                                        <p:cTn id="27" dur="1000" fill="hold"/>
+                                        <p:tgtEl>
+                                          <p:spTgt spid="6"/>
+                                        </p:tgtEl>
+                                      </p:cBhvr>
+                                      <p:by x="150000" y="150000"/>
+                                    </p:animScale>
+                                  </p:childTnLst>
+                                </p:cTn>
+                              </p:par>
+                              <p:par>
+                                <p:cTn id="28" presetID="6" presetClass="emph" presetSubtype="0" fill="hold" grpId="1" nodeType="withEffect">
+                                  <p:stCondLst>
+                                    <p:cond delay="0"/>
+                                  </p:stCondLst>
+                                  <p:childTnLst>
+                                    <p:animScale>
+                                      <p:cBhvr>
+                                        <p:cTn id="29" dur="1000" fill="hold"/>
+                                        <p:tgtEl>
+                                          <p:spTgt spid="5"/>
+                                        </p:tgtEl>
+                                      </p:cBhvr>
+                                      <p:by x="150000" y="150000"/>
+                                    </p:animScale>
+                                  </p:childTnLst>
+                                </p:cTn>
+                              </p:par>
+                              <p:par>
+                                <p:cTn id="30" presetID="42" presetClass="path" presetSubtype="0" accel="50000" decel="50000" fill="hold" grpId="2" nodeType="withEffect">
+                                  <p:stCondLst>
+                                    <p:cond delay="0"/>
+                                  </p:stCondLst>
+                                  <p:childTnLst>
+                                    <p:animMotion origin="layout" path="M -4.16667E-7 -1.85185E-6 L 0.35339 0.00857 " pathEditMode="relative" rAng="0" ptsTypes="AA">
+                                      <p:cBhvr>
+                                        <p:cTn id="31" dur="1000" fill="hold"/>
+                                        <p:tgtEl>
+                                          <p:spTgt spid="5"/>
+                                        </p:tgtEl>
+                                        <p:attrNameLst>
+                                          <p:attrName>ppt_x</p:attrName>
+                                          <p:attrName>ppt_y</p:attrName>
+                                        </p:attrNameLst>
+                                      </p:cBhvr>
+                                      <p:rCtr x="17669" y="417"/>
+                                    </p:animMotion>
+                                  </p:childTnLst>
+                                </p:cTn>
+                              </p:par>
+                              <p:par>
+                                <p:cTn id="32" presetID="42" presetClass="path" presetSubtype="0" accel="50000" decel="50000" fill="hold" grpId="2" nodeType="withEffect">
+                                  <p:stCondLst>
+                                    <p:cond delay="0"/>
+                                  </p:stCondLst>
+                                  <p:childTnLst>
+                                    <p:animMotion origin="layout" path="M -2.5E-6 7.40741E-7 L 0.19271 2.96296E-6 " pathEditMode="relative" rAng="0" ptsTypes="AA">
+                                      <p:cBhvr>
+                                        <p:cTn id="33" dur="1000" fill="hold"/>
+                                        <p:tgtEl>
+                                          <p:spTgt spid="6"/>
+                                        </p:tgtEl>
+                                        <p:attrNameLst>
+                                          <p:attrName>ppt_x</p:attrName>
+                                          <p:attrName>ppt_y</p:attrName>
+                                        </p:attrNameLst>
+                                      </p:cBhvr>
+                                      <p:rCtr x="8750" y="139"/>
+                                    </p:animMotion>
+                                  </p:childTnLst>
+                                </p:cTn>
+                              </p:par>
+                              <p:par>
+                                <p:cTn id="34" presetID="42" presetClass="path" presetSubtype="0" accel="50000" decel="50000" fill="hold" grpId="2" nodeType="withEffect">
+                                  <p:stCondLst>
+                                    <p:cond delay="0"/>
+                                  </p:stCondLst>
+                                  <p:childTnLst>
+                                    <p:animMotion origin="layout" path="M -0.00143 7.40741E-7 L 0.03698 0.00231 " pathEditMode="relative" rAng="0" ptsTypes="AA">
+                                      <p:cBhvr>
+                                        <p:cTn id="35" dur="1000" fill="hold"/>
+                                        <p:tgtEl>
+                                          <p:spTgt spid="8"/>
+                                        </p:tgtEl>
+                                        <p:attrNameLst>
+                                          <p:attrName>ppt_x</p:attrName>
+                                          <p:attrName>ppt_y</p:attrName>
+                                        </p:attrNameLst>
+                                      </p:cBhvr>
+                                      <p:rCtr x="1914" y="116"/>
+                                    </p:animMotion>
+                                  </p:childTnLst>
+                                </p:cTn>
+                              </p:par>
+                              <p:par>
+                                <p:cTn id="36" presetID="42" presetClass="path" presetSubtype="0" accel="50000" decel="50000" fill="hold" grpId="2" nodeType="withEffect">
+                                  <p:stCondLst>
+                                    <p:cond delay="0"/>
+                                  </p:stCondLst>
+                                  <p:childTnLst>
+                                    <p:animMotion origin="layout" path="M 2.29167E-6 7.40741E-7 L -0.19909 0.00231 " pathEditMode="relative" rAng="0" ptsTypes="AA">
+                                      <p:cBhvr>
+                                        <p:cTn id="37" dur="1000" fill="hold"/>
+                                        <p:tgtEl>
+                                          <p:spTgt spid="7"/>
+                                        </p:tgtEl>
+                                        <p:attrNameLst>
+                                          <p:attrName>ppt_x</p:attrName>
+                                          <p:attrName>ppt_y</p:attrName>
+                                        </p:attrNameLst>
+                                      </p:cBhvr>
+                                      <p:rCtr x="-9961" y="116"/>
+                                    </p:animMotion>
+                                  </p:childTnLst>
+                                </p:cTn>
+                              </p:par>
+                              <p:par>
+                                <p:cTn id="38" presetID="10" presetClass="exit" presetSubtype="0" fill="hold" grpId="3" nodeType="withEffect">
+                                  <p:stCondLst>
+                                    <p:cond delay="500"/>
+                                  </p:stCondLst>
+                                  <p:childTnLst>
+                                    <p:animEffect transition="out" filter="fade">
+                                      <p:cBhvr>
+                                        <p:cTn id="39" dur="500"/>
+                                        <p:tgtEl>
+                                          <p:spTgt spid="5"/>
+                                        </p:tgtEl>
+                                      </p:cBhvr>
+                                    </p:animEffect>
+                                    <p:set>
+                                      <p:cBhvr>
+                                        <p:cTn id="40" dur="1" fill="hold">
+                                          <p:stCondLst>
+                                            <p:cond delay="499"/>
+                                          </p:stCondLst>
+                                        </p:cTn>
+                                        <p:tgtEl>
+                                          <p:spTgt spid="5"/>
+                                        </p:tgtEl>
+                                        <p:attrNameLst>
+                                          <p:attrName>style.visibility</p:attrName>
+                                        </p:attrNameLst>
+                                      </p:cBhvr>
+                                      <p:to>
+                                        <p:strVal val="hidden"/>
+                                      </p:to>
+                                    </p:set>
+                                  </p:childTnLst>
+                                </p:cTn>
+                              </p:par>
+                              <p:par>
+                                <p:cTn id="41" presetID="10" presetClass="exit" presetSubtype="0" fill="hold" grpId="3" nodeType="withEffect">
+                                  <p:stCondLst>
+                                    <p:cond delay="500"/>
+                                  </p:stCondLst>
+                                  <p:childTnLst>
+                                    <p:animEffect transition="out" filter="fade">
+                                      <p:cBhvr>
+                                        <p:cTn id="42" dur="500"/>
+                                        <p:tgtEl>
+                                          <p:spTgt spid="6"/>
+                                        </p:tgtEl>
+                                      </p:cBhvr>
+                                    </p:animEffect>
+                                    <p:set>
+                                      <p:cBhvr>
+                                        <p:cTn id="43" dur="1" fill="hold">
+                                          <p:stCondLst>
+                                            <p:cond delay="499"/>
+                                          </p:stCondLst>
+                                        </p:cTn>
+                                        <p:tgtEl>
+                                          <p:spTgt spid="6"/>
+                                        </p:tgtEl>
+                                        <p:attrNameLst>
+                                          <p:attrName>style.visibility</p:attrName>
+                                        </p:attrNameLst>
+                                      </p:cBhvr>
+                                      <p:to>
+                                        <p:strVal val="hidden"/>
+                                      </p:to>
+                                    </p:set>
+                                  </p:childTnLst>
+                                </p:cTn>
+                              </p:par>
+                              <p:par>
+                                <p:cTn id="44" presetID="10" presetClass="exit" presetSubtype="0" fill="hold" grpId="3" nodeType="withEffect">
+                                  <p:stCondLst>
+                                    <p:cond delay="500"/>
+                                  </p:stCondLst>
+                                  <p:childTnLst>
+                                    <p:animEffect transition="out" filter="fade">
+                                      <p:cBhvr>
+                                        <p:cTn id="45" dur="500"/>
+                                        <p:tgtEl>
+                                          <p:spTgt spid="7"/>
+                                        </p:tgtEl>
+                                      </p:cBhvr>
+                                    </p:animEffect>
+                                    <p:set>
+                                      <p:cBhvr>
+                                        <p:cTn id="46" dur="1" fill="hold">
+                                          <p:stCondLst>
+                                            <p:cond delay="499"/>
+                                          </p:stCondLst>
+                                        </p:cTn>
+                                        <p:tgtEl>
+                                          <p:spTgt spid="7"/>
+                                        </p:tgtEl>
+                                        <p:attrNameLst>
+                                          <p:attrName>style.visibility</p:attrName>
+                                        </p:attrNameLst>
+                                      </p:cBhvr>
+                                      <p:to>
+                                        <p:strVal val="hidden"/>
+                                      </p:to>
+                                    </p:set>
+                                  </p:childTnLst>
+                                </p:cTn>
+                              </p:par>
+                              <p:par>
+                                <p:cTn id="47" presetID="10" presetClass="exit" presetSubtype="0" fill="hold" grpId="3" nodeType="withEffect">
+                                  <p:stCondLst>
+                                    <p:cond delay="500"/>
+                                  </p:stCondLst>
+                                  <p:childTnLst>
+                                    <p:animEffect transition="out" filter="fade">
+                                      <p:cBhvr>
+                                        <p:cTn id="48" dur="500"/>
+                                        <p:tgtEl>
+                                          <p:spTgt spid="8"/>
+                                        </p:tgtEl>
+                                      </p:cBhvr>
+                                    </p:animEffect>
+                                    <p:set>
+                                      <p:cBhvr>
+                                        <p:cTn id="49" dur="1" fill="hold">
+                                          <p:stCondLst>
+                                            <p:cond delay="499"/>
+                                          </p:stCondLst>
+                                        </p:cTn>
+                                        <p:tgtEl>
+                                          <p:spTgt spid="8"/>
+                                        </p:tgtEl>
+                                        <p:attrNameLst>
+                                          <p:attrName>style.visibility</p:attrName>
+                                        </p:attrNameLst>
+                                      </p:cBhvr>
+                                      <p:to>
+                                        <p:strVal val="hidden"/>
+                                      </p:to>
+                                    </p:set>
+                                  </p:childTnLst>
+                                </p:cTn>
+                              </p:par>
+                              <p:par>
+                                <p:cTn id="50" presetID="10" presetClass="entr" presetSubtype="0" fill="hold" grpId="0" nodeType="withEffect">
+                                  <p:stCondLst>
+                                    <p:cond delay="700"/>
+                                  </p:stCondLst>
+                                  <p:childTnLst>
+                                    <p:set>
+                                      <p:cBhvr>
+                                        <p:cTn id="51" dur="1" fill="hold">
+                                          <p:stCondLst>
+                                            <p:cond delay="0"/>
+                                          </p:stCondLst>
+                                        </p:cTn>
+                                        <p:tgtEl>
+                                          <p:spTgt spid="11"/>
+                                        </p:tgtEl>
+                                        <p:attrNameLst>
+                                          <p:attrName>style.visibility</p:attrName>
+                                        </p:attrNameLst>
+                                      </p:cBhvr>
+                                      <p:to>
+                                        <p:strVal val="visible"/>
+                                      </p:to>
+                                    </p:set>
+                                    <p:animEffect transition="in" filter="fade">
+                                      <p:cBhvr>
+                                        <p:cTn id="52" dur="500"/>
+                                        <p:tgtEl>
+                                          <p:spTgt spid="11"/>
+                                        </p:tgtEl>
+                                      </p:cBhvr>
+                                    </p:animEffect>
+                                  </p:childTnLst>
+                                </p:cTn>
+                              </p:par>
+                            </p:childTnLst>
+                          </p:cTn>
+                        </p:par>
+                      </p:childTnLst>
+                    </p:cTn>
+                  </p:par>
+                </p:childTnLst>
+              </p:cTn>
+              <p:prevCondLst>
+                <p:cond evt="onPrev" delay="0">
+                  <p:tgtEl>
+                    <p:sldTgt/>
+                  </p:tgtEl>
+                </p:cond>
+              </p:prevCondLst>
+              <p:nextCondLst>
+                <p:cond evt="onNext" delay="0">
+                  <p:tgtEl>
+                    <p:sldTgt/>
+                  </p:tgtEl>
+                </p:cond>
+              </p:nextCondLst>
+            </p:seq>
+          </p:childTnLst>
+        </p:cTn>
       </p:par>
     </p:tnLst>
+    <p:bldLst>
+      <p:bldP spid="4" grpId="0"/>
+      <p:bldP spid="5" grpId="0"/>
+      <p:bldP spid="5" grpId="1"/>
+      <p:bldP spid="5" grpId="2"/>
+      <p:bldP spid="5" grpId="3"/>
+      <p:bldP spid="6" grpId="0"/>
+      <p:bldP spid="6" grpId="1"/>
+      <p:bldP spid="6" grpId="2"/>
+      <p:bldP spid="6" grpId="3"/>
+      <p:bldP spid="7" grpId="0"/>
+      <p:bldP spid="7" grpId="1"/>
+      <p:bldP spid="7" grpId="2"/>
+      <p:bldP spid="7" grpId="3"/>
+      <p:bldP spid="8" grpId="0"/>
+      <p:bldP spid="8" grpId="1"/>
+      <p:bldP spid="8" grpId="2"/>
+      <p:bldP spid="8" grpId="3"/>
+      <p:bldP spid="11" grpId="0"/>
+    </p:bldLst>
   </p:timing>
 </p:sld>
 </file>
@@ -26990,35 +27623,35 @@
                 <a:gridCol w="2331963">
                   <a:extLst>
                     <a:ext uri="{9D8B030D-6E8A-4147-A177-3AD203B41FA5}">
-                      <a16:colId xmlns:a16="http://schemas.microsoft.com/office/drawing/2014/main" xmlns="" val="20000"/>
+                      <a16:colId xmlns:a16="http://schemas.microsoft.com/office/drawing/2014/main" val="20000"/>
                     </a:ext>
                   </a:extLst>
                 </a:gridCol>
                 <a:gridCol w="2331963">
                   <a:extLst>
                     <a:ext uri="{9D8B030D-6E8A-4147-A177-3AD203B41FA5}">
-                      <a16:colId xmlns:a16="http://schemas.microsoft.com/office/drawing/2014/main" xmlns="" val="20001"/>
+                      <a16:colId xmlns:a16="http://schemas.microsoft.com/office/drawing/2014/main" val="20001"/>
                     </a:ext>
                   </a:extLst>
                 </a:gridCol>
                 <a:gridCol w="2331963">
                   <a:extLst>
                     <a:ext uri="{9D8B030D-6E8A-4147-A177-3AD203B41FA5}">
-                      <a16:colId xmlns:a16="http://schemas.microsoft.com/office/drawing/2014/main" xmlns="" val="20002"/>
+                      <a16:colId xmlns:a16="http://schemas.microsoft.com/office/drawing/2014/main" val="20002"/>
                     </a:ext>
                   </a:extLst>
                 </a:gridCol>
                 <a:gridCol w="2331963">
                   <a:extLst>
                     <a:ext uri="{9D8B030D-6E8A-4147-A177-3AD203B41FA5}">
-                      <a16:colId xmlns:a16="http://schemas.microsoft.com/office/drawing/2014/main" xmlns="" val="20003"/>
+                      <a16:colId xmlns:a16="http://schemas.microsoft.com/office/drawing/2014/main" val="20003"/>
                     </a:ext>
                   </a:extLst>
                 </a:gridCol>
                 <a:gridCol w="2331963">
                   <a:extLst>
                     <a:ext uri="{9D8B030D-6E8A-4147-A177-3AD203B41FA5}">
-                      <a16:colId xmlns:a16="http://schemas.microsoft.com/office/drawing/2014/main" xmlns="" val="20004"/>
+                      <a16:colId xmlns:a16="http://schemas.microsoft.com/office/drawing/2014/main" val="20004"/>
                     </a:ext>
                   </a:extLst>
                 </a:gridCol>
@@ -27936,7 +28569,7 @@
                 </a:tc>
                 <a:extLst>
                   <a:ext uri="{0D108BD9-81ED-4DB2-BD59-A6C34878D82A}">
-                    <a16:rowId xmlns:a16="http://schemas.microsoft.com/office/drawing/2014/main" xmlns="" val="10000"/>
+                    <a16:rowId xmlns:a16="http://schemas.microsoft.com/office/drawing/2014/main" val="10000"/>
                   </a:ext>
                 </a:extLst>
               </a:tr>
@@ -28886,7 +29519,7 @@
                 </a:tc>
                 <a:extLst>
                   <a:ext uri="{0D108BD9-81ED-4DB2-BD59-A6C34878D82A}">
-                    <a16:rowId xmlns:a16="http://schemas.microsoft.com/office/drawing/2014/main" xmlns="" val="10001"/>
+                    <a16:rowId xmlns:a16="http://schemas.microsoft.com/office/drawing/2014/main" val="10001"/>
                   </a:ext>
                 </a:extLst>
               </a:tr>
@@ -29869,7 +30502,7 @@
                 </a:tc>
                 <a:extLst>
                   <a:ext uri="{0D108BD9-81ED-4DB2-BD59-A6C34878D82A}">
-                    <a16:rowId xmlns:a16="http://schemas.microsoft.com/office/drawing/2014/main" xmlns="" val="10002"/>
+                    <a16:rowId xmlns:a16="http://schemas.microsoft.com/office/drawing/2014/main" val="10002"/>
                   </a:ext>
                 </a:extLst>
               </a:tr>
@@ -30819,7 +31452,7 @@
                 </a:tc>
                 <a:extLst>
                   <a:ext uri="{0D108BD9-81ED-4DB2-BD59-A6C34878D82A}">
-                    <a16:rowId xmlns:a16="http://schemas.microsoft.com/office/drawing/2014/main" xmlns="" val="10003"/>
+                    <a16:rowId xmlns:a16="http://schemas.microsoft.com/office/drawing/2014/main" val="10003"/>
                   </a:ext>
                 </a:extLst>
               </a:tr>
@@ -31769,7 +32402,7 @@
                 </a:tc>
                 <a:extLst>
                   <a:ext uri="{0D108BD9-81ED-4DB2-BD59-A6C34878D82A}">
-                    <a16:rowId xmlns:a16="http://schemas.microsoft.com/office/drawing/2014/main" xmlns="" val="10004"/>
+                    <a16:rowId xmlns:a16="http://schemas.microsoft.com/office/drawing/2014/main" val="10004"/>
                   </a:ext>
                 </a:extLst>
               </a:tr>
@@ -34846,21 +35479,21 @@
                 <a:gridCol w="3840559">
                   <a:extLst>
                     <a:ext uri="{9D8B030D-6E8A-4147-A177-3AD203B41FA5}">
-                      <a16:colId xmlns:a16="http://schemas.microsoft.com/office/drawing/2014/main" xmlns="" val="20000"/>
+                      <a16:colId xmlns:a16="http://schemas.microsoft.com/office/drawing/2014/main" val="20000"/>
                     </a:ext>
                   </a:extLst>
                 </a:gridCol>
                 <a:gridCol w="3840559">
                   <a:extLst>
                     <a:ext uri="{9D8B030D-6E8A-4147-A177-3AD203B41FA5}">
-                      <a16:colId xmlns:a16="http://schemas.microsoft.com/office/drawing/2014/main" xmlns="" val="20001"/>
+                      <a16:colId xmlns:a16="http://schemas.microsoft.com/office/drawing/2014/main" val="20001"/>
                     </a:ext>
                   </a:extLst>
                 </a:gridCol>
                 <a:gridCol w="3840559">
                   <a:extLst>
                     <a:ext uri="{9D8B030D-6E8A-4147-A177-3AD203B41FA5}">
-                      <a16:colId xmlns:a16="http://schemas.microsoft.com/office/drawing/2014/main" xmlns="" val="20002"/>
+                      <a16:colId xmlns:a16="http://schemas.microsoft.com/office/drawing/2014/main" val="20002"/>
                     </a:ext>
                   </a:extLst>
                 </a:gridCol>
@@ -34966,7 +35599,7 @@
                 </a:tc>
                 <a:extLst>
                   <a:ext uri="{0D108BD9-81ED-4DB2-BD59-A6C34878D82A}">
-                    <a16:rowId xmlns:a16="http://schemas.microsoft.com/office/drawing/2014/main" xmlns="" val="10000"/>
+                    <a16:rowId xmlns:a16="http://schemas.microsoft.com/office/drawing/2014/main" val="10000"/>
                   </a:ext>
                 </a:extLst>
               </a:tr>
@@ -35061,7 +35694,7 @@
                 </a:tc>
                 <a:extLst>
                   <a:ext uri="{0D108BD9-81ED-4DB2-BD59-A6C34878D82A}">
-                    <a16:rowId xmlns:a16="http://schemas.microsoft.com/office/drawing/2014/main" xmlns="" val="10001"/>
+                    <a16:rowId xmlns:a16="http://schemas.microsoft.com/office/drawing/2014/main" val="10001"/>
                   </a:ext>
                 </a:extLst>
               </a:tr>
@@ -35148,7 +35781,7 @@
                 </a:tc>
                 <a:extLst>
                   <a:ext uri="{0D108BD9-81ED-4DB2-BD59-A6C34878D82A}">
-                    <a16:rowId xmlns:a16="http://schemas.microsoft.com/office/drawing/2014/main" xmlns="" val="10002"/>
+                    <a16:rowId xmlns:a16="http://schemas.microsoft.com/office/drawing/2014/main" val="10002"/>
                   </a:ext>
                 </a:extLst>
               </a:tr>
@@ -35345,21 +35978,21 @@
                 <a:gridCol w="3840559">
                   <a:extLst>
                     <a:ext uri="{9D8B030D-6E8A-4147-A177-3AD203B41FA5}">
-                      <a16:colId xmlns:a16="http://schemas.microsoft.com/office/drawing/2014/main" xmlns="" val="20000"/>
+                      <a16:colId xmlns:a16="http://schemas.microsoft.com/office/drawing/2014/main" val="20000"/>
                     </a:ext>
                   </a:extLst>
                 </a:gridCol>
                 <a:gridCol w="3840559">
                   <a:extLst>
                     <a:ext uri="{9D8B030D-6E8A-4147-A177-3AD203B41FA5}">
-                      <a16:colId xmlns:a16="http://schemas.microsoft.com/office/drawing/2014/main" xmlns="" val="20001"/>
+                      <a16:colId xmlns:a16="http://schemas.microsoft.com/office/drawing/2014/main" val="20001"/>
                     </a:ext>
                   </a:extLst>
                 </a:gridCol>
                 <a:gridCol w="3840559">
                   <a:extLst>
                     <a:ext uri="{9D8B030D-6E8A-4147-A177-3AD203B41FA5}">
-                      <a16:colId xmlns:a16="http://schemas.microsoft.com/office/drawing/2014/main" xmlns="" val="20002"/>
+                      <a16:colId xmlns:a16="http://schemas.microsoft.com/office/drawing/2014/main" val="20002"/>
                     </a:ext>
                   </a:extLst>
                 </a:gridCol>
@@ -35465,7 +36098,7 @@
                 </a:tc>
                 <a:extLst>
                   <a:ext uri="{0D108BD9-81ED-4DB2-BD59-A6C34878D82A}">
-                    <a16:rowId xmlns:a16="http://schemas.microsoft.com/office/drawing/2014/main" xmlns="" val="10000"/>
+                    <a16:rowId xmlns:a16="http://schemas.microsoft.com/office/drawing/2014/main" val="10000"/>
                   </a:ext>
                 </a:extLst>
               </a:tr>
@@ -35581,7 +36214,7 @@
                 </a:tc>
                 <a:extLst>
                   <a:ext uri="{0D108BD9-81ED-4DB2-BD59-A6C34878D82A}">
-                    <a16:rowId xmlns:a16="http://schemas.microsoft.com/office/drawing/2014/main" xmlns="" val="10001"/>
+                    <a16:rowId xmlns:a16="http://schemas.microsoft.com/office/drawing/2014/main" val="10001"/>
                   </a:ext>
                 </a:extLst>
               </a:tr>
@@ -35668,7 +36301,7 @@
                 </a:tc>
                 <a:extLst>
                   <a:ext uri="{0D108BD9-81ED-4DB2-BD59-A6C34878D82A}">
-                    <a16:rowId xmlns:a16="http://schemas.microsoft.com/office/drawing/2014/main" xmlns="" val="10002"/>
+                    <a16:rowId xmlns:a16="http://schemas.microsoft.com/office/drawing/2014/main" val="10002"/>
                   </a:ext>
                 </a:extLst>
               </a:tr>
